--- a/Final_Project.pptx
+++ b/Final_Project.pptx
@@ -108,6 +108,11 @@
       </a:defRPr>
     </a:lvl9pPr>
   </p:defaultTextStyle>
+  <p:extLst>
+    <p:ext uri="{EFAFB233-063F-42B5-8137-9DF3F51BA10A}">
+      <p15:sldGuideLst xmlns:p15="http://schemas.microsoft.com/office/powerpoint/2012/main"/>
+    </p:ext>
+  </p:extLst>
 </p:presentation>
 </file>
 
@@ -267,7 +272,7 @@
           <a:p>
             <a:fld id="{02AC24A9-CCB6-4F8D-B8DB-C2F3692CFA5A}" type="datetimeFigureOut">
               <a:rPr lang="en-US" smtClean="0"/>
-              <a:t>3/6/21</a:t>
+              <a:t>3/7/21</a:t>
             </a:fld>
             <a:endParaRPr lang="en-US" dirty="0"/>
           </a:p>
@@ -637,7 +642,7 @@
           <a:p>
             <a:fld id="{02AC24A9-CCB6-4F8D-B8DB-C2F3692CFA5A}" type="datetimeFigureOut">
               <a:rPr lang="en-US" smtClean="0"/>
-              <a:t>3/6/21</a:t>
+              <a:t>3/7/21</a:t>
             </a:fld>
             <a:endParaRPr lang="en-US"/>
           </a:p>
@@ -846,7 +851,7 @@
           <a:p>
             <a:fld id="{02AC24A9-CCB6-4F8D-B8DB-C2F3692CFA5A}" type="datetimeFigureOut">
               <a:rPr lang="en-US" smtClean="0"/>
-              <a:t>3/6/21</a:t>
+              <a:t>3/7/21</a:t>
             </a:fld>
             <a:endParaRPr lang="en-US"/>
           </a:p>
@@ -1316,7 +1321,7 @@
           <a:p>
             <a:fld id="{02AC24A9-CCB6-4F8D-B8DB-C2F3692CFA5A}" type="datetimeFigureOut">
               <a:rPr lang="en-US" smtClean="0"/>
-              <a:t>3/6/21</a:t>
+              <a:t>3/7/21</a:t>
             </a:fld>
             <a:endParaRPr lang="en-US"/>
           </a:p>
@@ -1770,7 +1775,7 @@
           <a:p>
             <a:fld id="{02AC24A9-CCB6-4F8D-B8DB-C2F3692CFA5A}" type="datetimeFigureOut">
               <a:rPr lang="en-US" smtClean="0"/>
-              <a:t>3/6/21</a:t>
+              <a:t>3/7/21</a:t>
             </a:fld>
             <a:endParaRPr lang="en-US"/>
           </a:p>
@@ -2302,7 +2307,7 @@
           <a:p>
             <a:fld id="{02AC24A9-CCB6-4F8D-B8DB-C2F3692CFA5A}" type="datetimeFigureOut">
               <a:rPr lang="en-US" smtClean="0"/>
-              <a:t>3/6/21</a:t>
+              <a:t>3/7/21</a:t>
             </a:fld>
             <a:endParaRPr lang="en-US"/>
           </a:p>
@@ -3001,7 +3006,7 @@
           <a:p>
             <a:fld id="{02AC24A9-CCB6-4F8D-B8DB-C2F3692CFA5A}" type="datetimeFigureOut">
               <a:rPr lang="en-US" smtClean="0"/>
-              <a:t>3/6/21</a:t>
+              <a:t>3/7/21</a:t>
             </a:fld>
             <a:endParaRPr lang="en-US"/>
           </a:p>
@@ -3330,7 +3335,7 @@
           <a:p>
             <a:fld id="{02AC24A9-CCB6-4F8D-B8DB-C2F3692CFA5A}" type="datetimeFigureOut">
               <a:rPr lang="en-US" smtClean="0"/>
-              <a:t>3/6/21</a:t>
+              <a:t>3/7/21</a:t>
             </a:fld>
             <a:endParaRPr lang="en-US"/>
           </a:p>
@@ -3443,7 +3448,7 @@
           <a:p>
             <a:fld id="{02AC24A9-CCB6-4F8D-B8DB-C2F3692CFA5A}" type="datetimeFigureOut">
               <a:rPr lang="en-US" smtClean="0"/>
-              <a:t>3/6/21</a:t>
+              <a:t>3/7/21</a:t>
             </a:fld>
             <a:endParaRPr lang="en-US"/>
           </a:p>
@@ -3938,7 +3943,7 @@
           <a:p>
             <a:fld id="{02AC24A9-CCB6-4F8D-B8DB-C2F3692CFA5A}" type="datetimeFigureOut">
               <a:rPr lang="en-US" smtClean="0"/>
-              <a:t>3/6/21</a:t>
+              <a:t>3/7/21</a:t>
             </a:fld>
             <a:endParaRPr lang="en-US" dirty="0"/>
           </a:p>
@@ -4415,7 +4420,7 @@
           <a:p>
             <a:fld id="{02AC24A9-CCB6-4F8D-B8DB-C2F3692CFA5A}" type="datetimeFigureOut">
               <a:rPr lang="en-US" smtClean="0"/>
-              <a:t>3/6/21</a:t>
+              <a:t>3/7/21</a:t>
             </a:fld>
             <a:endParaRPr lang="en-US"/>
           </a:p>
@@ -4658,7 +4663,7 @@
           <a:p>
             <a:fld id="{02AC24A9-CCB6-4F8D-B8DB-C2F3692CFA5A}" type="datetimeFigureOut">
               <a:rPr lang="en-US" smtClean="0"/>
-              <a:t>3/6/21</a:t>
+              <a:t>3/7/21</a:t>
             </a:fld>
             <a:endParaRPr lang="en-US"/>
           </a:p>
@@ -5574,6 +5579,14 @@
 <file path=ppt/slides/slide2.xml><?xml version="1.0" encoding="utf-8"?>
 <p:sld xmlns:a="http://schemas.openxmlformats.org/drawingml/2006/main" xmlns:r="http://schemas.openxmlformats.org/officeDocument/2006/relationships" xmlns:p="http://schemas.openxmlformats.org/presentationml/2006/main">
   <p:cSld>
+    <p:bg>
+      <p:bgPr>
+        <a:solidFill>
+          <a:schemeClr val="bg1"/>
+        </a:solidFill>
+        <a:effectLst/>
+      </p:bgPr>
+    </p:bg>
     <p:spTree>
       <p:nvGrpSpPr>
         <p:cNvPr id="1" name=""/>
@@ -5588,6 +5601,366 @@
           <a:chExt cx="0" cy="0"/>
         </a:xfrm>
       </p:grpSpPr>
+      <p:sp useBgFill="1">
+        <p:nvSpPr>
+          <p:cNvPr id="9" name="Rectangle 8">
+            <a:extLst>
+              <a:ext uri="{FF2B5EF4-FFF2-40B4-BE49-F238E27FC236}">
+                <a16:creationId xmlns:a16="http://schemas.microsoft.com/office/drawing/2014/main" id="{21A75659-5A6F-4F77-9679-678A00B9D8DC}"/>
+              </a:ext>
+              <a:ext uri="{C183D7F6-B498-43B3-948B-1728B52AA6E4}">
+                <adec:decorative xmlns:adec="http://schemas.microsoft.com/office/drawing/2017/decorative" val="1"/>
+              </a:ext>
+            </a:extLst>
+          </p:cNvPr>
+          <p:cNvSpPr>
+            <a:spLocks noGrp="1" noRot="1" noChangeAspect="1" noMove="1" noResize="1" noEditPoints="1" noAdjustHandles="1" noChangeArrowheads="1" noChangeShapeType="1" noTextEdit="1"/>
+          </p:cNvSpPr>
+          <p:nvPr>
+            <p:extLst>
+              <p:ext uri="{386F3935-93C4-4BCD-93E2-E3B085C9AB24}">
+                <p16:designElem xmlns:p16="http://schemas.microsoft.com/office/powerpoint/2015/main" val="1"/>
+              </p:ext>
+            </p:extLst>
+          </p:nvPr>
+        </p:nvSpPr>
+        <p:spPr>
+          <a:xfrm>
+            <a:off x="0" y="0"/>
+            <a:ext cx="12192000" cy="6858000"/>
+          </a:xfrm>
+          <a:prstGeom prst="rect">
+            <a:avLst/>
+          </a:prstGeom>
+          <a:ln>
+            <a:noFill/>
+          </a:ln>
+        </p:spPr>
+        <p:style>
+          <a:lnRef idx="2">
+            <a:schemeClr val="accent1">
+              <a:shade val="50000"/>
+            </a:schemeClr>
+          </a:lnRef>
+          <a:fillRef idx="1">
+            <a:schemeClr val="accent1"/>
+          </a:fillRef>
+          <a:effectRef idx="0">
+            <a:schemeClr val="accent1"/>
+          </a:effectRef>
+          <a:fontRef idx="minor">
+            <a:schemeClr val="lt1"/>
+          </a:fontRef>
+        </p:style>
+        <p:txBody>
+          <a:bodyPr rtlCol="0" anchor="ctr"/>
+          <a:lstStyle/>
+          <a:p>
+            <a:pPr algn="ctr"/>
+            <a:endParaRPr lang="en-US"/>
+          </a:p>
+        </p:txBody>
+      </p:sp>
+      <p:pic>
+        <p:nvPicPr>
+          <p:cNvPr id="4" name="Picture 3" descr="A picture containing plant&#10;&#10;Description automatically generated">
+            <a:extLst>
+              <a:ext uri="{FF2B5EF4-FFF2-40B4-BE49-F238E27FC236}">
+                <a16:creationId xmlns:a16="http://schemas.microsoft.com/office/drawing/2014/main" id="{7C21938D-FEE4-B442-88CA-65488D40124D}"/>
+              </a:ext>
+            </a:extLst>
+          </p:cNvPr>
+          <p:cNvPicPr>
+            <a:picLocks noChangeAspect="1"/>
+          </p:cNvPicPr>
+          <p:nvPr/>
+        </p:nvPicPr>
+        <p:blipFill rotWithShape="1">
+          <a:blip r:embed="rId2"/>
+          <a:srcRect l="15574" r="13327"/>
+          <a:stretch/>
+        </p:blipFill>
+        <p:spPr>
+          <a:xfrm>
+            <a:off x="20" y="10"/>
+            <a:ext cx="8668492" cy="6857990"/>
+          </a:xfrm>
+          <a:prstGeom prst="rect">
+            <a:avLst/>
+          </a:prstGeom>
+        </p:spPr>
+      </p:pic>
+      <p:sp>
+        <p:nvSpPr>
+          <p:cNvPr id="11" name="Rectangle 10">
+            <a:extLst>
+              <a:ext uri="{FF2B5EF4-FFF2-40B4-BE49-F238E27FC236}">
+                <a16:creationId xmlns:a16="http://schemas.microsoft.com/office/drawing/2014/main" id="{EFAEC92A-2230-45B0-A12F-07F9F9EA45AD}"/>
+              </a:ext>
+              <a:ext uri="{C183D7F6-B498-43B3-948B-1728B52AA6E4}">
+                <adec:decorative xmlns:adec="http://schemas.microsoft.com/office/drawing/2017/decorative" val="1"/>
+              </a:ext>
+            </a:extLst>
+          </p:cNvPr>
+          <p:cNvSpPr>
+            <a:spLocks noGrp="1" noRot="1" noChangeAspect="1" noMove="1" noResize="1" noEditPoints="1" noAdjustHandles="1" noChangeArrowheads="1" noChangeShapeType="1" noTextEdit="1"/>
+          </p:cNvSpPr>
+          <p:nvPr>
+            <p:extLst>
+              <p:ext uri="{386F3935-93C4-4BCD-93E2-E3B085C9AB24}">
+                <p16:designElem xmlns:p16="http://schemas.microsoft.com/office/powerpoint/2015/main" val="1"/>
+              </p:ext>
+            </p:extLst>
+          </p:nvPr>
+        </p:nvSpPr>
+        <p:spPr>
+          <a:xfrm flipH="1">
+            <a:off x="2435399" y="0"/>
+            <a:ext cx="9756601" cy="6858000"/>
+          </a:xfrm>
+          <a:prstGeom prst="rect">
+            <a:avLst/>
+          </a:prstGeom>
+          <a:gradFill>
+            <a:gsLst>
+              <a:gs pos="53000">
+                <a:schemeClr val="bg1"/>
+              </a:gs>
+              <a:gs pos="35000">
+                <a:schemeClr val="bg1">
+                  <a:alpha val="76000"/>
+                </a:schemeClr>
+              </a:gs>
+              <a:gs pos="19000">
+                <a:schemeClr val="bg1">
+                  <a:alpha val="40000"/>
+                </a:schemeClr>
+              </a:gs>
+              <a:gs pos="0">
+                <a:schemeClr val="bg1">
+                  <a:alpha val="0"/>
+                </a:schemeClr>
+              </a:gs>
+              <a:gs pos="100000">
+                <a:schemeClr val="bg1"/>
+              </a:gs>
+            </a:gsLst>
+            <a:lin ang="10800000" scaled="0"/>
+          </a:gradFill>
+          <a:ln>
+            <a:noFill/>
+          </a:ln>
+        </p:spPr>
+        <p:style>
+          <a:lnRef idx="2">
+            <a:schemeClr val="accent1">
+              <a:shade val="50000"/>
+            </a:schemeClr>
+          </a:lnRef>
+          <a:fillRef idx="1">
+            <a:schemeClr val="accent1"/>
+          </a:fillRef>
+          <a:effectRef idx="0">
+            <a:schemeClr val="accent1"/>
+          </a:effectRef>
+          <a:fontRef idx="minor">
+            <a:schemeClr val="lt1"/>
+          </a:fontRef>
+        </p:style>
+        <p:txBody>
+          <a:bodyPr rtlCol="0" anchor="ctr"/>
+          <a:lstStyle/>
+          <a:p>
+            <a:pPr algn="ctr"/>
+            <a:endParaRPr lang="en-US" dirty="0"/>
+          </a:p>
+        </p:txBody>
+      </p:sp>
+      <p:sp>
+        <p:nvSpPr>
+          <p:cNvPr id="13" name="Rectangle 12">
+            <a:extLst>
+              <a:ext uri="{FF2B5EF4-FFF2-40B4-BE49-F238E27FC236}">
+                <a16:creationId xmlns:a16="http://schemas.microsoft.com/office/drawing/2014/main" id="{55D4142C-5077-457F-A6AD-3FECFDB39685}"/>
+              </a:ext>
+              <a:ext uri="{C183D7F6-B498-43B3-948B-1728B52AA6E4}">
+                <adec:decorative xmlns:adec="http://schemas.microsoft.com/office/drawing/2017/decorative" val="1"/>
+              </a:ext>
+            </a:extLst>
+          </p:cNvPr>
+          <p:cNvSpPr>
+            <a:spLocks noGrp="1" noRot="1" noChangeAspect="1" noMove="1" noResize="1" noEditPoints="1" noAdjustHandles="1" noChangeArrowheads="1" noChangeShapeType="1" noTextEdit="1"/>
+          </p:cNvSpPr>
+          <p:nvPr>
+            <p:extLst>
+              <p:ext uri="{386F3935-93C4-4BCD-93E2-E3B085C9AB24}">
+                <p16:designElem xmlns:p16="http://schemas.microsoft.com/office/powerpoint/2015/main" val="1"/>
+              </p:ext>
+            </p:extLst>
+          </p:nvPr>
+        </p:nvSpPr>
+        <p:spPr>
+          <a:xfrm rot="5400000">
+            <a:off x="8687333" y="605790"/>
+            <a:ext cx="73152" cy="548640"/>
+          </a:xfrm>
+          <a:prstGeom prst="rect">
+            <a:avLst/>
+          </a:prstGeom>
+          <a:solidFill>
+            <a:schemeClr val="accent1"/>
+          </a:solidFill>
+          <a:ln>
+            <a:noFill/>
+          </a:ln>
+        </p:spPr>
+        <p:style>
+          <a:lnRef idx="2">
+            <a:schemeClr val="accent1">
+              <a:shade val="50000"/>
+            </a:schemeClr>
+          </a:lnRef>
+          <a:fillRef idx="1">
+            <a:schemeClr val="accent1"/>
+          </a:fillRef>
+          <a:effectRef idx="0">
+            <a:schemeClr val="accent1"/>
+          </a:effectRef>
+          <a:fontRef idx="minor">
+            <a:schemeClr val="lt1"/>
+          </a:fontRef>
+        </p:style>
+        <p:txBody>
+          <a:bodyPr rtlCol="0" anchor="ctr"/>
+          <a:lstStyle/>
+          <a:p>
+            <a:pPr marL="0" marR="0" lvl="0" indent="0" algn="ctr" defTabSz="914400" rtl="0" eaLnBrk="1" fontAlgn="auto" latinLnBrk="0" hangingPunct="1">
+              <a:lnSpc>
+                <a:spcPct val="100000"/>
+              </a:lnSpc>
+              <a:spcBef>
+                <a:spcPts val="0"/>
+              </a:spcBef>
+              <a:spcAft>
+                <a:spcPts val="0"/>
+              </a:spcAft>
+              <a:buClrTx/>
+              <a:buSzTx/>
+              <a:buFontTx/>
+              <a:buNone/>
+              <a:tabLst/>
+              <a:defRPr/>
+            </a:pPr>
+            <a:endParaRPr kumimoji="0" lang="en-US" sz="1800" b="0" i="0" u="none" strike="noStrike" kern="1200" cap="none" spc="0" normalizeH="0" baseline="0" noProof="0">
+              <a:ln>
+                <a:noFill/>
+              </a:ln>
+              <a:solidFill>
+                <a:prstClr val="white"/>
+              </a:solidFill>
+              <a:effectLst/>
+              <a:uLnTx/>
+              <a:uFillTx/>
+              <a:latin typeface="Calibri" panose="020F0502020204030204"/>
+              <a:ea typeface="+mn-ea"/>
+              <a:cs typeface="+mn-cs"/>
+            </a:endParaRPr>
+          </a:p>
+        </p:txBody>
+      </p:sp>
+      <p:sp>
+        <p:nvSpPr>
+          <p:cNvPr id="15" name="Rectangle 14">
+            <a:extLst>
+              <a:ext uri="{FF2B5EF4-FFF2-40B4-BE49-F238E27FC236}">
+                <a16:creationId xmlns:a16="http://schemas.microsoft.com/office/drawing/2014/main" id="{7A5F0580-5EE9-419F-96EE-B6529EF6E7D0}"/>
+              </a:ext>
+              <a:ext uri="{C183D7F6-B498-43B3-948B-1728B52AA6E4}">
+                <adec:decorative xmlns:adec="http://schemas.microsoft.com/office/drawing/2017/decorative" val="1"/>
+              </a:ext>
+            </a:extLst>
+          </p:cNvPr>
+          <p:cNvSpPr>
+            <a:spLocks noGrp="1" noRot="1" noChangeAspect="1" noMove="1" noResize="1" noEditPoints="1" noAdjustHandles="1" noChangeArrowheads="1" noChangeShapeType="1" noTextEdit="1"/>
+          </p:cNvSpPr>
+          <p:nvPr>
+            <p:extLst>
+              <p:ext uri="{386F3935-93C4-4BCD-93E2-E3B085C9AB24}">
+                <p16:designElem xmlns:p16="http://schemas.microsoft.com/office/powerpoint/2015/main" val="1"/>
+              </p:ext>
+            </p:extLst>
+          </p:nvPr>
+        </p:nvSpPr>
+        <p:spPr>
+          <a:xfrm>
+            <a:off x="8453018" y="2443480"/>
+            <a:ext cx="3218688" cy="18288"/>
+          </a:xfrm>
+          <a:prstGeom prst="rect">
+            <a:avLst/>
+          </a:prstGeom>
+          <a:solidFill>
+            <a:schemeClr val="tx1"/>
+          </a:solidFill>
+          <a:ln w="3175">
+            <a:noFill/>
+          </a:ln>
+          <a:effectLst/>
+        </p:spPr>
+        <p:style>
+          <a:lnRef idx="2">
+            <a:schemeClr val="accent1">
+              <a:shade val="50000"/>
+            </a:schemeClr>
+          </a:lnRef>
+          <a:fillRef idx="1">
+            <a:schemeClr val="accent1"/>
+          </a:fillRef>
+          <a:effectRef idx="0">
+            <a:schemeClr val="accent1"/>
+          </a:effectRef>
+          <a:fontRef idx="minor">
+            <a:schemeClr val="lt1"/>
+          </a:fontRef>
+        </p:style>
+        <p:txBody>
+          <a:bodyPr rtlCol="0" anchor="ctr"/>
+          <a:lstStyle/>
+          <a:p>
+            <a:pPr marL="0" marR="0" lvl="0" indent="0" algn="ctr" defTabSz="914400" rtl="0" eaLnBrk="1" fontAlgn="auto" latinLnBrk="0" hangingPunct="1">
+              <a:lnSpc>
+                <a:spcPct val="100000"/>
+              </a:lnSpc>
+              <a:spcBef>
+                <a:spcPts val="0"/>
+              </a:spcBef>
+              <a:spcAft>
+                <a:spcPts val="0"/>
+              </a:spcAft>
+              <a:buClrTx/>
+              <a:buSzTx/>
+              <a:buFontTx/>
+              <a:buNone/>
+              <a:tabLst/>
+              <a:defRPr/>
+            </a:pPr>
+            <a:endParaRPr kumimoji="0" lang="en-US" sz="1800" b="0" i="0" u="none" strike="noStrike" kern="1200" cap="none" spc="0" normalizeH="0" baseline="0" noProof="0">
+              <a:ln>
+                <a:noFill/>
+              </a:ln>
+              <a:solidFill>
+                <a:prstClr val="white"/>
+              </a:solidFill>
+              <a:effectLst/>
+              <a:uLnTx/>
+              <a:uFillTx/>
+              <a:latin typeface="Calibri" panose="020F0502020204030204"/>
+              <a:ea typeface="+mn-ea"/>
+              <a:cs typeface="+mn-cs"/>
+            </a:endParaRPr>
+          </a:p>
+        </p:txBody>
+      </p:sp>
       <p:sp>
         <p:nvSpPr>
           <p:cNvPr id="3" name="Content Placeholder 2">
@@ -5604,25 +5977,51 @@
             <p:ph idx="1"/>
           </p:nvPr>
         </p:nvSpPr>
-        <p:spPr/>
-        <p:txBody>
-          <a:bodyPr/>
-          <a:lstStyle/>
-          <a:p>
-            <a:r>
-              <a:rPr lang="en-US" dirty="0"/>
-              <a:t>Covid 19 has impacted the world on many aspects of everyday life.</a:t>
-            </a:r>
-          </a:p>
-          <a:p>
-            <a:r>
-              <a:rPr lang="en-US" dirty="0"/>
+        <p:spPr>
+          <a:xfrm>
+            <a:off x="7941827" y="2685396"/>
+            <a:ext cx="4007945" cy="3207258"/>
+          </a:xfrm>
+        </p:spPr>
+        <p:txBody>
+          <a:bodyPr anchor="t">
+            <a:normAutofit/>
+          </a:bodyPr>
+          <a:lstStyle/>
+          <a:p>
+            <a:pPr algn="just">
+              <a:lnSpc>
+                <a:spcPct val="100000"/>
+              </a:lnSpc>
+            </a:pPr>
+            <a:r>
+              <a:rPr lang="en-US" sz="1800" dirty="0" err="1"/>
+              <a:t>Covid</a:t>
+            </a:r>
+            <a:r>
+              <a:rPr lang="en-US" sz="1800" dirty="0"/>
+              <a:t> 19 has impacted the world on many aspects of everyday life.</a:t>
+            </a:r>
+          </a:p>
+          <a:p>
+            <a:pPr algn="just">
+              <a:lnSpc>
+                <a:spcPct val="100000"/>
+              </a:lnSpc>
+            </a:pPr>
+            <a:r>
+              <a:rPr lang="en-US" sz="1800" dirty="0"/>
               <a:t>We decided to look at data to see if we could use machine learning to model and forecast vaccination and daily cases and deaths.</a:t>
             </a:r>
           </a:p>
           <a:p>
-            <a:r>
-              <a:rPr lang="en-US" dirty="0"/>
+            <a:pPr algn="just">
+              <a:lnSpc>
+                <a:spcPct val="100000"/>
+              </a:lnSpc>
+            </a:pPr>
+            <a:r>
+              <a:rPr lang="en-US" sz="1800" dirty="0"/>
               <a:t>Our analysis is based off of 2 data sources (World Vaccination Progress and World Daily Cases and Deaths).</a:t>
             </a:r>
           </a:p>
@@ -5636,7 +6035,7 @@
     </p:extLst>
   </p:cSld>
   <p:clrMapOvr>
-    <a:masterClrMapping/>
+    <a:overrideClrMapping bg1="dk1" tx1="lt1" bg2="dk2" tx2="lt2" accent1="accent1" accent2="accent2" accent3="accent3" accent4="accent4" accent5="accent5" accent6="accent6" hlink="hlink" folHlink="folHlink"/>
   </p:clrMapOvr>
 </p:sld>
 </file>
@@ -5644,6 +6043,14 @@
 <file path=ppt/slides/slide3.xml><?xml version="1.0" encoding="utf-8"?>
 <p:sld xmlns:a="http://schemas.openxmlformats.org/drawingml/2006/main" xmlns:r="http://schemas.openxmlformats.org/officeDocument/2006/relationships" xmlns:p="http://schemas.openxmlformats.org/presentationml/2006/main">
   <p:cSld>
+    <p:bg>
+      <p:bgPr>
+        <a:solidFill>
+          <a:schemeClr val="bg1"/>
+        </a:solidFill>
+        <a:effectLst/>
+      </p:bgPr>
+    </p:bg>
     <p:spTree>
       <p:nvGrpSpPr>
         <p:cNvPr id="1" name=""/>
@@ -5658,6 +6065,181 @@
           <a:chExt cx="0" cy="0"/>
         </a:xfrm>
       </p:grpSpPr>
+      <p:sp useBgFill="1">
+        <p:nvSpPr>
+          <p:cNvPr id="10" name="Rectangle 9">
+            <a:extLst>
+              <a:ext uri="{FF2B5EF4-FFF2-40B4-BE49-F238E27FC236}">
+                <a16:creationId xmlns:a16="http://schemas.microsoft.com/office/drawing/2014/main" id="{21A75659-5A6F-4F77-9679-678A00B9D8DC}"/>
+              </a:ext>
+              <a:ext uri="{C183D7F6-B498-43B3-948B-1728B52AA6E4}">
+                <adec:decorative xmlns:adec="http://schemas.microsoft.com/office/drawing/2017/decorative" val="1"/>
+              </a:ext>
+            </a:extLst>
+          </p:cNvPr>
+          <p:cNvSpPr>
+            <a:spLocks noGrp="1" noRot="1" noChangeAspect="1" noMove="1" noResize="1" noEditPoints="1" noAdjustHandles="1" noChangeArrowheads="1" noChangeShapeType="1" noTextEdit="1"/>
+          </p:cNvSpPr>
+          <p:nvPr>
+            <p:extLst>
+              <p:ext uri="{386F3935-93C4-4BCD-93E2-E3B085C9AB24}">
+                <p16:designElem xmlns:p16="http://schemas.microsoft.com/office/powerpoint/2015/main" val="1"/>
+              </p:ext>
+            </p:extLst>
+          </p:nvPr>
+        </p:nvSpPr>
+        <p:spPr>
+          <a:xfrm>
+            <a:off x="0" y="0"/>
+            <a:ext cx="12192000" cy="6858000"/>
+          </a:xfrm>
+          <a:prstGeom prst="rect">
+            <a:avLst/>
+          </a:prstGeom>
+          <a:ln>
+            <a:noFill/>
+          </a:ln>
+        </p:spPr>
+        <p:style>
+          <a:lnRef idx="2">
+            <a:schemeClr val="accent1">
+              <a:shade val="50000"/>
+            </a:schemeClr>
+          </a:lnRef>
+          <a:fillRef idx="1">
+            <a:schemeClr val="accent1"/>
+          </a:fillRef>
+          <a:effectRef idx="0">
+            <a:schemeClr val="accent1"/>
+          </a:effectRef>
+          <a:fontRef idx="minor">
+            <a:schemeClr val="lt1"/>
+          </a:fontRef>
+        </p:style>
+        <p:txBody>
+          <a:bodyPr rtlCol="0" anchor="ctr"/>
+          <a:lstStyle/>
+          <a:p>
+            <a:pPr algn="ctr"/>
+            <a:endParaRPr lang="en-US"/>
+          </a:p>
+        </p:txBody>
+      </p:sp>
+      <p:pic>
+        <p:nvPicPr>
+          <p:cNvPr id="5" name="Picture 4" descr="A picture containing plant&#10;&#10;Description automatically generated">
+            <a:extLst>
+              <a:ext uri="{FF2B5EF4-FFF2-40B4-BE49-F238E27FC236}">
+                <a16:creationId xmlns:a16="http://schemas.microsoft.com/office/drawing/2014/main" id="{B7D4BF1E-48FC-7C41-A8C7-B291AB5274F1}"/>
+              </a:ext>
+            </a:extLst>
+          </p:cNvPr>
+          <p:cNvPicPr>
+            <a:picLocks noChangeAspect="1"/>
+          </p:cNvPicPr>
+          <p:nvPr/>
+        </p:nvPicPr>
+        <p:blipFill rotWithShape="1">
+          <a:blip r:embed="rId2"/>
+          <a:srcRect l="15574" r="13327"/>
+          <a:stretch/>
+        </p:blipFill>
+        <p:spPr>
+          <a:xfrm>
+            <a:off x="20" y="10"/>
+            <a:ext cx="8668492" cy="6857990"/>
+          </a:xfrm>
+          <a:prstGeom prst="rect">
+            <a:avLst/>
+          </a:prstGeom>
+        </p:spPr>
+      </p:pic>
+      <p:sp>
+        <p:nvSpPr>
+          <p:cNvPr id="12" name="Rectangle 11">
+            <a:extLst>
+              <a:ext uri="{FF2B5EF4-FFF2-40B4-BE49-F238E27FC236}">
+                <a16:creationId xmlns:a16="http://schemas.microsoft.com/office/drawing/2014/main" id="{EFAEC92A-2230-45B0-A12F-07F9F9EA45AD}"/>
+              </a:ext>
+              <a:ext uri="{C183D7F6-B498-43B3-948B-1728B52AA6E4}">
+                <adec:decorative xmlns:adec="http://schemas.microsoft.com/office/drawing/2017/decorative" val="1"/>
+              </a:ext>
+            </a:extLst>
+          </p:cNvPr>
+          <p:cNvSpPr>
+            <a:spLocks noGrp="1" noRot="1" noChangeAspect="1" noMove="1" noResize="1" noEditPoints="1" noAdjustHandles="1" noChangeArrowheads="1" noChangeShapeType="1" noTextEdit="1"/>
+          </p:cNvSpPr>
+          <p:nvPr>
+            <p:extLst>
+              <p:ext uri="{386F3935-93C4-4BCD-93E2-E3B085C9AB24}">
+                <p16:designElem xmlns:p16="http://schemas.microsoft.com/office/powerpoint/2015/main" val="1"/>
+              </p:ext>
+            </p:extLst>
+          </p:nvPr>
+        </p:nvSpPr>
+        <p:spPr>
+          <a:xfrm flipH="1">
+            <a:off x="2435399" y="0"/>
+            <a:ext cx="9756601" cy="6858000"/>
+          </a:xfrm>
+          <a:prstGeom prst="rect">
+            <a:avLst/>
+          </a:prstGeom>
+          <a:gradFill>
+            <a:gsLst>
+              <a:gs pos="53000">
+                <a:schemeClr val="bg1"/>
+              </a:gs>
+              <a:gs pos="35000">
+                <a:schemeClr val="bg1">
+                  <a:alpha val="76000"/>
+                </a:schemeClr>
+              </a:gs>
+              <a:gs pos="19000">
+                <a:schemeClr val="bg1">
+                  <a:alpha val="40000"/>
+                </a:schemeClr>
+              </a:gs>
+              <a:gs pos="0">
+                <a:schemeClr val="bg1">
+                  <a:alpha val="0"/>
+                </a:schemeClr>
+              </a:gs>
+              <a:gs pos="100000">
+                <a:schemeClr val="bg1"/>
+              </a:gs>
+            </a:gsLst>
+            <a:lin ang="10800000" scaled="0"/>
+          </a:gradFill>
+          <a:ln>
+            <a:noFill/>
+          </a:ln>
+        </p:spPr>
+        <p:style>
+          <a:lnRef idx="2">
+            <a:schemeClr val="accent1">
+              <a:shade val="50000"/>
+            </a:schemeClr>
+          </a:lnRef>
+          <a:fillRef idx="1">
+            <a:schemeClr val="accent1"/>
+          </a:fillRef>
+          <a:effectRef idx="0">
+            <a:schemeClr val="accent1"/>
+          </a:effectRef>
+          <a:fontRef idx="minor">
+            <a:schemeClr val="lt1"/>
+          </a:fontRef>
+        </p:style>
+        <p:txBody>
+          <a:bodyPr rtlCol="0" anchor="ctr"/>
+          <a:lstStyle/>
+          <a:p>
+            <a:pPr algn="ctr"/>
+            <a:endParaRPr lang="en-US" dirty="0"/>
+          </a:p>
+        </p:txBody>
+      </p:sp>
       <p:sp>
         <p:nvSpPr>
           <p:cNvPr id="2" name="Title 1">
@@ -5674,14 +6256,21 @@
             <p:ph type="title"/>
           </p:nvPr>
         </p:nvSpPr>
-        <p:spPr/>
-        <p:txBody>
-          <a:bodyPr/>
+        <p:spPr>
+          <a:xfrm>
+            <a:off x="8395868" y="1161288"/>
+            <a:ext cx="3438144" cy="1124712"/>
+          </a:xfrm>
+        </p:spPr>
+        <p:txBody>
+          <a:bodyPr anchor="b">
+            <a:normAutofit/>
+          </a:bodyPr>
           <a:lstStyle/>
           <a:p>
             <a:pPr algn="ctr"/>
             <a:r>
-              <a:rPr lang="en-US" dirty="0"/>
+              <a:rPr lang="en-US" sz="3600" dirty="0"/>
               <a:t>ETL</a:t>
             </a:r>
           </a:p>
@@ -5689,6 +6278,191 @@
       </p:sp>
       <p:sp>
         <p:nvSpPr>
+          <p:cNvPr id="14" name="Rectangle 13">
+            <a:extLst>
+              <a:ext uri="{FF2B5EF4-FFF2-40B4-BE49-F238E27FC236}">
+                <a16:creationId xmlns:a16="http://schemas.microsoft.com/office/drawing/2014/main" id="{55D4142C-5077-457F-A6AD-3FECFDB39685}"/>
+              </a:ext>
+              <a:ext uri="{C183D7F6-B498-43B3-948B-1728B52AA6E4}">
+                <adec:decorative xmlns:adec="http://schemas.microsoft.com/office/drawing/2017/decorative" val="1"/>
+              </a:ext>
+            </a:extLst>
+          </p:cNvPr>
+          <p:cNvSpPr>
+            <a:spLocks noGrp="1" noRot="1" noChangeAspect="1" noMove="1" noResize="1" noEditPoints="1" noAdjustHandles="1" noChangeArrowheads="1" noChangeShapeType="1" noTextEdit="1"/>
+          </p:cNvSpPr>
+          <p:nvPr>
+            <p:extLst>
+              <p:ext uri="{386F3935-93C4-4BCD-93E2-E3B085C9AB24}">
+                <p16:designElem xmlns:p16="http://schemas.microsoft.com/office/powerpoint/2015/main" val="1"/>
+              </p:ext>
+            </p:extLst>
+          </p:nvPr>
+        </p:nvSpPr>
+        <p:spPr>
+          <a:xfrm rot="5400000">
+            <a:off x="8687333" y="605790"/>
+            <a:ext cx="73152" cy="548640"/>
+          </a:xfrm>
+          <a:prstGeom prst="rect">
+            <a:avLst/>
+          </a:prstGeom>
+          <a:solidFill>
+            <a:schemeClr val="accent1"/>
+          </a:solidFill>
+          <a:ln>
+            <a:noFill/>
+          </a:ln>
+        </p:spPr>
+        <p:style>
+          <a:lnRef idx="2">
+            <a:schemeClr val="accent1">
+              <a:shade val="50000"/>
+            </a:schemeClr>
+          </a:lnRef>
+          <a:fillRef idx="1">
+            <a:schemeClr val="accent1"/>
+          </a:fillRef>
+          <a:effectRef idx="0">
+            <a:schemeClr val="accent1"/>
+          </a:effectRef>
+          <a:fontRef idx="minor">
+            <a:schemeClr val="lt1"/>
+          </a:fontRef>
+        </p:style>
+        <p:txBody>
+          <a:bodyPr rtlCol="0" anchor="ctr"/>
+          <a:lstStyle/>
+          <a:p>
+            <a:pPr marL="0" marR="0" lvl="0" indent="0" algn="ctr" defTabSz="914400" rtl="0" eaLnBrk="1" fontAlgn="auto" latinLnBrk="0" hangingPunct="1">
+              <a:lnSpc>
+                <a:spcPct val="100000"/>
+              </a:lnSpc>
+              <a:spcBef>
+                <a:spcPts val="0"/>
+              </a:spcBef>
+              <a:spcAft>
+                <a:spcPts val="0"/>
+              </a:spcAft>
+              <a:buClrTx/>
+              <a:buSzTx/>
+              <a:buFontTx/>
+              <a:buNone/>
+              <a:tabLst/>
+              <a:defRPr/>
+            </a:pPr>
+            <a:endParaRPr kumimoji="0" lang="en-US" sz="1800" b="0" i="0" u="none" strike="noStrike" kern="1200" cap="none" spc="0" normalizeH="0" baseline="0" noProof="0">
+              <a:ln>
+                <a:noFill/>
+              </a:ln>
+              <a:solidFill>
+                <a:prstClr val="white"/>
+              </a:solidFill>
+              <a:effectLst/>
+              <a:uLnTx/>
+              <a:uFillTx/>
+              <a:latin typeface="Calibri" panose="020F0502020204030204"/>
+              <a:ea typeface="+mn-ea"/>
+              <a:cs typeface="+mn-cs"/>
+            </a:endParaRPr>
+          </a:p>
+        </p:txBody>
+      </p:sp>
+      <p:sp>
+        <p:nvSpPr>
+          <p:cNvPr id="16" name="Rectangle 15">
+            <a:extLst>
+              <a:ext uri="{FF2B5EF4-FFF2-40B4-BE49-F238E27FC236}">
+                <a16:creationId xmlns:a16="http://schemas.microsoft.com/office/drawing/2014/main" id="{7A5F0580-5EE9-419F-96EE-B6529EF6E7D0}"/>
+              </a:ext>
+              <a:ext uri="{C183D7F6-B498-43B3-948B-1728B52AA6E4}">
+                <adec:decorative xmlns:adec="http://schemas.microsoft.com/office/drawing/2017/decorative" val="1"/>
+              </a:ext>
+            </a:extLst>
+          </p:cNvPr>
+          <p:cNvSpPr>
+            <a:spLocks noGrp="1" noRot="1" noChangeAspect="1" noMove="1" noResize="1" noEditPoints="1" noAdjustHandles="1" noChangeArrowheads="1" noChangeShapeType="1" noTextEdit="1"/>
+          </p:cNvSpPr>
+          <p:nvPr>
+            <p:extLst>
+              <p:ext uri="{386F3935-93C4-4BCD-93E2-E3B085C9AB24}">
+                <p16:designElem xmlns:p16="http://schemas.microsoft.com/office/powerpoint/2015/main" val="1"/>
+              </p:ext>
+            </p:extLst>
+          </p:nvPr>
+        </p:nvSpPr>
+        <p:spPr>
+          <a:xfrm>
+            <a:off x="8453018" y="2443480"/>
+            <a:ext cx="3218688" cy="18288"/>
+          </a:xfrm>
+          <a:prstGeom prst="rect">
+            <a:avLst/>
+          </a:prstGeom>
+          <a:solidFill>
+            <a:schemeClr val="tx1"/>
+          </a:solidFill>
+          <a:ln w="3175">
+            <a:noFill/>
+          </a:ln>
+          <a:effectLst/>
+        </p:spPr>
+        <p:style>
+          <a:lnRef idx="2">
+            <a:schemeClr val="accent1">
+              <a:shade val="50000"/>
+            </a:schemeClr>
+          </a:lnRef>
+          <a:fillRef idx="1">
+            <a:schemeClr val="accent1"/>
+          </a:fillRef>
+          <a:effectRef idx="0">
+            <a:schemeClr val="accent1"/>
+          </a:effectRef>
+          <a:fontRef idx="minor">
+            <a:schemeClr val="lt1"/>
+          </a:fontRef>
+        </p:style>
+        <p:txBody>
+          <a:bodyPr rtlCol="0" anchor="ctr"/>
+          <a:lstStyle/>
+          <a:p>
+            <a:pPr marL="0" marR="0" lvl="0" indent="0" algn="ctr" defTabSz="914400" rtl="0" eaLnBrk="1" fontAlgn="auto" latinLnBrk="0" hangingPunct="1">
+              <a:lnSpc>
+                <a:spcPct val="100000"/>
+              </a:lnSpc>
+              <a:spcBef>
+                <a:spcPts val="0"/>
+              </a:spcBef>
+              <a:spcAft>
+                <a:spcPts val="0"/>
+              </a:spcAft>
+              <a:buClrTx/>
+              <a:buSzTx/>
+              <a:buFontTx/>
+              <a:buNone/>
+              <a:tabLst/>
+              <a:defRPr/>
+            </a:pPr>
+            <a:endParaRPr kumimoji="0" lang="en-US" sz="1800" b="0" i="0" u="none" strike="noStrike" kern="1200" cap="none" spc="0" normalizeH="0" baseline="0" noProof="0">
+              <a:ln>
+                <a:noFill/>
+              </a:ln>
+              <a:solidFill>
+                <a:prstClr val="white"/>
+              </a:solidFill>
+              <a:effectLst/>
+              <a:uLnTx/>
+              <a:uFillTx/>
+              <a:latin typeface="Calibri" panose="020F0502020204030204"/>
+              <a:ea typeface="+mn-ea"/>
+              <a:cs typeface="+mn-cs"/>
+            </a:endParaRPr>
+          </a:p>
+        </p:txBody>
+      </p:sp>
+      <p:sp>
+        <p:nvSpPr>
           <p:cNvPr id="3" name="Content Placeholder 2">
             <a:extLst>
               <a:ext uri="{FF2B5EF4-FFF2-40B4-BE49-F238E27FC236}">
@@ -5703,41 +6477,51 @@
             <p:ph idx="1"/>
           </p:nvPr>
         </p:nvSpPr>
-        <p:spPr/>
-        <p:txBody>
-          <a:bodyPr/>
-          <a:lstStyle/>
-          <a:p>
-            <a:r>
-              <a:rPr lang="en-US" dirty="0"/>
+        <p:spPr>
+          <a:xfrm>
+            <a:off x="8077199" y="2718054"/>
+            <a:ext cx="3918857" cy="3207258"/>
+          </a:xfrm>
+        </p:spPr>
+        <p:txBody>
+          <a:bodyPr anchor="t">
+            <a:normAutofit/>
+          </a:bodyPr>
+          <a:lstStyle/>
+          <a:p>
+            <a:pPr algn="just"/>
+            <a:r>
+              <a:rPr lang="en-US" sz="1800" dirty="0"/>
               <a:t>Extract – Collected CSV’s from Kaggle. Data is </a:t>
             </a:r>
             <a:r>
-              <a:rPr lang="en-US" dirty="0" err="1"/>
+              <a:rPr lang="en-US" sz="1800" dirty="0" err="1"/>
               <a:t>TimeSeries</a:t>
             </a:r>
             <a:r>
-              <a:rPr lang="en-US" dirty="0"/>
+              <a:rPr lang="en-US" sz="1800" dirty="0"/>
               <a:t> and based on Country.</a:t>
             </a:r>
           </a:p>
           <a:p>
-            <a:r>
-              <a:rPr lang="en-US" dirty="0"/>
+            <a:pPr algn="just"/>
+            <a:r>
+              <a:rPr lang="en-US" sz="1800" dirty="0"/>
               <a:t>Transform – Merged </a:t>
             </a:r>
             <a:r>
-              <a:rPr lang="en-US" dirty="0" err="1"/>
+              <a:rPr lang="en-US" sz="1800" dirty="0" err="1"/>
               <a:t>DataSets</a:t>
             </a:r>
             <a:r>
-              <a:rPr lang="en-US" dirty="0"/>
+              <a:rPr lang="en-US" sz="1800" dirty="0"/>
               <a:t>, dropped unnecessary columns, Filtered Top 10 Countries based on number of Data Points.</a:t>
             </a:r>
           </a:p>
           <a:p>
-            <a:r>
-              <a:rPr lang="en-US" dirty="0"/>
+            <a:pPr algn="just"/>
+            <a:r>
+              <a:rPr lang="en-US" sz="1800" dirty="0"/>
               <a:t>Load – Created new cleaned CSV.</a:t>
             </a:r>
           </a:p>
@@ -5751,7 +6535,7 @@
     </p:extLst>
   </p:cSld>
   <p:clrMapOvr>
-    <a:masterClrMapping/>
+    <a:overrideClrMapping bg1="dk1" tx1="lt1" bg2="dk2" tx2="lt2" accent1="accent1" accent2="accent2" accent3="accent3" accent4="accent4" accent5="accent5" accent6="accent6" hlink="hlink" folHlink="folHlink"/>
   </p:clrMapOvr>
 </p:sld>
 </file>
@@ -5759,6 +6543,14 @@
 <file path=ppt/slides/slide4.xml><?xml version="1.0" encoding="utf-8"?>
 <p:sld xmlns:a="http://schemas.openxmlformats.org/drawingml/2006/main" xmlns:r="http://schemas.openxmlformats.org/officeDocument/2006/relationships" xmlns:p="http://schemas.openxmlformats.org/presentationml/2006/main">
   <p:cSld>
+    <p:bg>
+      <p:bgPr>
+        <a:solidFill>
+          <a:schemeClr val="bg1"/>
+        </a:solidFill>
+        <a:effectLst/>
+      </p:bgPr>
+    </p:bg>
     <p:spTree>
       <p:nvGrpSpPr>
         <p:cNvPr id="1" name=""/>
@@ -5773,6 +6565,66 @@
           <a:chExt cx="0" cy="0"/>
         </a:xfrm>
       </p:grpSpPr>
+      <p:sp useBgFill="1">
+        <p:nvSpPr>
+          <p:cNvPr id="20" name="Rectangle 11">
+            <a:extLst>
+              <a:ext uri="{FF2B5EF4-FFF2-40B4-BE49-F238E27FC236}">
+                <a16:creationId xmlns:a16="http://schemas.microsoft.com/office/drawing/2014/main" id="{8380AD67-C5CA-4918-B4BB-C359BB03EEDD}"/>
+              </a:ext>
+              <a:ext uri="{C183D7F6-B498-43B3-948B-1728B52AA6E4}">
+                <adec:decorative xmlns:adec="http://schemas.microsoft.com/office/drawing/2017/decorative" val="1"/>
+              </a:ext>
+            </a:extLst>
+          </p:cNvPr>
+          <p:cNvSpPr>
+            <a:spLocks noGrp="1" noRot="1" noChangeAspect="1" noMove="1" noResize="1" noEditPoints="1" noAdjustHandles="1" noChangeArrowheads="1" noChangeShapeType="1" noTextEdit="1"/>
+          </p:cNvSpPr>
+          <p:nvPr>
+            <p:extLst>
+              <p:ext uri="{386F3935-93C4-4BCD-93E2-E3B085C9AB24}">
+                <p16:designElem xmlns:p16="http://schemas.microsoft.com/office/powerpoint/2015/main" val="1"/>
+              </p:ext>
+            </p:extLst>
+          </p:nvPr>
+        </p:nvSpPr>
+        <p:spPr>
+          <a:xfrm>
+            <a:off x="0" y="0"/>
+            <a:ext cx="12192000" cy="6858000"/>
+          </a:xfrm>
+          <a:prstGeom prst="rect">
+            <a:avLst/>
+          </a:prstGeom>
+          <a:ln>
+            <a:noFill/>
+          </a:ln>
+        </p:spPr>
+        <p:style>
+          <a:lnRef idx="2">
+            <a:schemeClr val="accent1">
+              <a:shade val="50000"/>
+            </a:schemeClr>
+          </a:lnRef>
+          <a:fillRef idx="1">
+            <a:schemeClr val="accent1"/>
+          </a:fillRef>
+          <a:effectRef idx="0">
+            <a:schemeClr val="accent1"/>
+          </a:effectRef>
+          <a:fontRef idx="minor">
+            <a:schemeClr val="lt1"/>
+          </a:fontRef>
+        </p:style>
+        <p:txBody>
+          <a:bodyPr rtlCol="0" anchor="ctr"/>
+          <a:lstStyle/>
+          <a:p>
+            <a:pPr algn="ctr"/>
+            <a:endParaRPr lang="en-US"/>
+          </a:p>
+        </p:txBody>
+      </p:sp>
       <p:sp>
         <p:nvSpPr>
           <p:cNvPr id="2" name="Title 1">
@@ -5789,18 +6641,242 @@
             <p:ph type="title"/>
           </p:nvPr>
         </p:nvSpPr>
-        <p:spPr/>
-        <p:txBody>
-          <a:bodyPr/>
-          <a:lstStyle/>
-          <a:p>
-            <a:r>
-              <a:rPr lang="en-US" dirty="0"/>
+        <p:spPr>
+          <a:xfrm>
+            <a:off x="5080216" y="1076324"/>
+            <a:ext cx="6272784" cy="1535051"/>
+          </a:xfrm>
+        </p:spPr>
+        <p:txBody>
+          <a:bodyPr anchor="b">
+            <a:normAutofit/>
+          </a:bodyPr>
+          <a:lstStyle/>
+          <a:p>
+            <a:r>
+              <a:rPr lang="en-US" sz="5200"/>
               <a:t>Analysis</a:t>
             </a:r>
           </a:p>
         </p:txBody>
       </p:sp>
+      <p:pic>
+        <p:nvPicPr>
+          <p:cNvPr id="7" name="Picture 6" descr="A picture containing text, seat, furniture, orange&#10;&#10;Description automatically generated">
+            <a:extLst>
+              <a:ext uri="{FF2B5EF4-FFF2-40B4-BE49-F238E27FC236}">
+                <a16:creationId xmlns:a16="http://schemas.microsoft.com/office/drawing/2014/main" id="{1A8E2F59-AED6-D741-ACF5-6CC20845E17C}"/>
+              </a:ext>
+            </a:extLst>
+          </p:cNvPr>
+          <p:cNvPicPr>
+            <a:picLocks noChangeAspect="1"/>
+          </p:cNvPicPr>
+          <p:nvPr/>
+        </p:nvPicPr>
+        <p:blipFill rotWithShape="1">
+          <a:blip r:embed="rId2"/>
+          <a:srcRect l="1582"/>
+          <a:stretch/>
+        </p:blipFill>
+        <p:spPr>
+          <a:xfrm>
+            <a:off x="20" y="10"/>
+            <a:ext cx="4505305" cy="6857990"/>
+          </a:xfrm>
+          <a:prstGeom prst="rect">
+            <a:avLst/>
+          </a:prstGeom>
+        </p:spPr>
+      </p:pic>
+      <p:sp>
+        <p:nvSpPr>
+          <p:cNvPr id="21" name="!!accent">
+            <a:extLst>
+              <a:ext uri="{FF2B5EF4-FFF2-40B4-BE49-F238E27FC236}">
+                <a16:creationId xmlns:a16="http://schemas.microsoft.com/office/drawing/2014/main" id="{EABAD4DA-87BA-4F70-9EF0-45C6BCF17823}"/>
+              </a:ext>
+              <a:ext uri="{C183D7F6-B498-43B3-948B-1728B52AA6E4}">
+                <adec:decorative xmlns:adec="http://schemas.microsoft.com/office/drawing/2017/decorative" val="1"/>
+              </a:ext>
+            </a:extLst>
+          </p:cNvPr>
+          <p:cNvSpPr>
+            <a:spLocks noGrp="1" noRot="1" noChangeAspect="1" noMove="1" noResize="1" noEditPoints="1" noAdjustHandles="1" noChangeArrowheads="1" noChangeShapeType="1" noTextEdit="1"/>
+          </p:cNvSpPr>
+          <p:nvPr>
+            <p:extLst>
+              <p:ext uri="{386F3935-93C4-4BCD-93E2-E3B085C9AB24}">
+                <p16:designElem xmlns:p16="http://schemas.microsoft.com/office/powerpoint/2015/main" val="1"/>
+              </p:ext>
+            </p:extLst>
+          </p:nvPr>
+        </p:nvSpPr>
+        <p:spPr>
+          <a:xfrm rot="5400000">
+            <a:off x="5317960" y="363389"/>
+            <a:ext cx="73152" cy="548640"/>
+          </a:xfrm>
+          <a:prstGeom prst="rect">
+            <a:avLst/>
+          </a:prstGeom>
+          <a:solidFill>
+            <a:schemeClr val="accent1"/>
+          </a:solidFill>
+          <a:ln>
+            <a:noFill/>
+          </a:ln>
+        </p:spPr>
+        <p:style>
+          <a:lnRef idx="2">
+            <a:schemeClr val="accent1">
+              <a:shade val="50000"/>
+            </a:schemeClr>
+          </a:lnRef>
+          <a:fillRef idx="1">
+            <a:schemeClr val="accent1"/>
+          </a:fillRef>
+          <a:effectRef idx="0">
+            <a:schemeClr val="accent1"/>
+          </a:effectRef>
+          <a:fontRef idx="minor">
+            <a:schemeClr val="lt1"/>
+          </a:fontRef>
+        </p:style>
+        <p:txBody>
+          <a:bodyPr rtlCol="0" anchor="ctr"/>
+          <a:lstStyle/>
+          <a:p>
+            <a:pPr marL="0" marR="0" lvl="0" indent="0" algn="ctr" defTabSz="914400" rtl="0" eaLnBrk="1" fontAlgn="auto" latinLnBrk="0" hangingPunct="1">
+              <a:lnSpc>
+                <a:spcPct val="100000"/>
+              </a:lnSpc>
+              <a:spcBef>
+                <a:spcPts val="0"/>
+              </a:spcBef>
+              <a:spcAft>
+                <a:spcPts val="0"/>
+              </a:spcAft>
+              <a:buClrTx/>
+              <a:buSzTx/>
+              <a:buFontTx/>
+              <a:buNone/>
+              <a:tabLst/>
+              <a:defRPr/>
+            </a:pPr>
+            <a:endParaRPr kumimoji="0" lang="en-US" sz="1800" b="0" i="0" u="none" strike="noStrike" kern="1200" cap="none" spc="0" normalizeH="0" baseline="0" noProof="0">
+              <a:ln>
+                <a:noFill/>
+              </a:ln>
+              <a:solidFill>
+                <a:prstClr val="white"/>
+              </a:solidFill>
+              <a:effectLst/>
+              <a:uLnTx/>
+              <a:uFillTx/>
+              <a:latin typeface="Calibri" panose="020F0502020204030204"/>
+              <a:ea typeface="+mn-ea"/>
+              <a:cs typeface="+mn-cs"/>
+            </a:endParaRPr>
+          </a:p>
+        </p:txBody>
+      </p:sp>
+      <p:sp>
+        <p:nvSpPr>
+          <p:cNvPr id="22" name="Rectangle 15">
+            <a:extLst>
+              <a:ext uri="{FF2B5EF4-FFF2-40B4-BE49-F238E27FC236}">
+                <a16:creationId xmlns:a16="http://schemas.microsoft.com/office/drawing/2014/main" id="{915128D9-2797-47FA-B6FE-EC24E6B8437A}"/>
+              </a:ext>
+              <a:ext uri="{C183D7F6-B498-43B3-948B-1728B52AA6E4}">
+                <adec:decorative xmlns:adec="http://schemas.microsoft.com/office/drawing/2017/decorative" val="1"/>
+              </a:ext>
+            </a:extLst>
+          </p:cNvPr>
+          <p:cNvSpPr>
+            <a:spLocks noGrp="1" noRot="1" noChangeAspect="1" noMove="1" noResize="1" noEditPoints="1" noAdjustHandles="1" noChangeArrowheads="1" noChangeShapeType="1" noTextEdit="1"/>
+          </p:cNvSpPr>
+          <p:nvPr>
+            <p:extLst>
+              <p:ext uri="{386F3935-93C4-4BCD-93E2-E3B085C9AB24}">
+                <p16:designElem xmlns:p16="http://schemas.microsoft.com/office/powerpoint/2015/main" val="1"/>
+              </p:ext>
+            </p:extLst>
+          </p:nvPr>
+        </p:nvSpPr>
+        <p:spPr>
+          <a:xfrm>
+            <a:off x="5099266" y="2935541"/>
+            <a:ext cx="6217920" cy="18288"/>
+          </a:xfrm>
+          <a:prstGeom prst="rect">
+            <a:avLst/>
+          </a:prstGeom>
+          <a:solidFill>
+            <a:schemeClr val="tx2">
+              <a:lumMod val="25000"/>
+              <a:lumOff val="75000"/>
+            </a:schemeClr>
+          </a:solidFill>
+          <a:ln w="3175">
+            <a:noFill/>
+          </a:ln>
+          <a:effectLst/>
+        </p:spPr>
+        <p:style>
+          <a:lnRef idx="2">
+            <a:schemeClr val="accent1">
+              <a:shade val="50000"/>
+            </a:schemeClr>
+          </a:lnRef>
+          <a:fillRef idx="1">
+            <a:schemeClr val="accent1"/>
+          </a:fillRef>
+          <a:effectRef idx="0">
+            <a:schemeClr val="accent1"/>
+          </a:effectRef>
+          <a:fontRef idx="minor">
+            <a:schemeClr val="lt1"/>
+          </a:fontRef>
+        </p:style>
+        <p:txBody>
+          <a:bodyPr rtlCol="0" anchor="ctr"/>
+          <a:lstStyle/>
+          <a:p>
+            <a:pPr marL="0" marR="0" lvl="0" indent="0" algn="ctr" defTabSz="914400" rtl="0" eaLnBrk="1" fontAlgn="auto" latinLnBrk="0" hangingPunct="1">
+              <a:lnSpc>
+                <a:spcPct val="100000"/>
+              </a:lnSpc>
+              <a:spcBef>
+                <a:spcPts val="0"/>
+              </a:spcBef>
+              <a:spcAft>
+                <a:spcPts val="0"/>
+              </a:spcAft>
+              <a:buClrTx/>
+              <a:buSzTx/>
+              <a:buFontTx/>
+              <a:buNone/>
+              <a:tabLst/>
+              <a:defRPr/>
+            </a:pPr>
+            <a:endParaRPr kumimoji="0" lang="en-US" sz="1800" b="0" i="0" u="none" strike="noStrike" kern="1200" cap="none" spc="0" normalizeH="0" baseline="0" noProof="0">
+              <a:ln>
+                <a:noFill/>
+              </a:ln>
+              <a:solidFill>
+                <a:prstClr val="white"/>
+              </a:solidFill>
+              <a:effectLst/>
+              <a:uLnTx/>
+              <a:uFillTx/>
+              <a:latin typeface="Calibri" panose="020F0502020204030204"/>
+              <a:ea typeface="+mn-ea"/>
+              <a:cs typeface="+mn-cs"/>
+            </a:endParaRPr>
+          </a:p>
+        </p:txBody>
+      </p:sp>
       <p:sp>
         <p:nvSpPr>
           <p:cNvPr id="3" name="Content Placeholder 2">
@@ -5817,25 +6893,35 @@
             <p:ph idx="1"/>
           </p:nvPr>
         </p:nvSpPr>
-        <p:spPr/>
-        <p:txBody>
-          <a:bodyPr/>
-          <a:lstStyle/>
-          <a:p>
-            <a:r>
-              <a:rPr lang="en-US" dirty="0"/>
+        <p:spPr>
+          <a:xfrm>
+            <a:off x="5080216" y="3351276"/>
+            <a:ext cx="6272784" cy="2825686"/>
+          </a:xfrm>
+        </p:spPr>
+        <p:txBody>
+          <a:bodyPr>
+            <a:normAutofit/>
+          </a:bodyPr>
+          <a:lstStyle/>
+          <a:p>
+            <a:pPr algn="just"/>
+            <a:r>
+              <a:rPr lang="en-US" sz="1800" dirty="0"/>
               <a:t>We choose Linear Regression because we wanted to model a target value based on predictors and historical data.</a:t>
             </a:r>
           </a:p>
           <a:p>
-            <a:r>
-              <a:rPr lang="en-US" dirty="0"/>
+            <a:pPr algn="just"/>
+            <a:r>
+              <a:rPr lang="en-US" sz="1800" dirty="0"/>
               <a:t>Throughout our analysis, we examined several target values.</a:t>
             </a:r>
           </a:p>
           <a:p>
-            <a:r>
-              <a:rPr lang="en-US" dirty="0"/>
+            <a:pPr algn="just"/>
+            <a:r>
+              <a:rPr lang="en-US" sz="1800" dirty="0"/>
               <a:t>We used Univariant model, Multi-variant model, and Facebook Prophet Time Series Model.</a:t>
             </a:r>
           </a:p>
@@ -5857,6 +6943,14 @@
 <file path=ppt/slides/slide5.xml><?xml version="1.0" encoding="utf-8"?>
 <p:sld xmlns:a="http://schemas.openxmlformats.org/drawingml/2006/main" xmlns:r="http://schemas.openxmlformats.org/officeDocument/2006/relationships" xmlns:p="http://schemas.openxmlformats.org/presentationml/2006/main">
   <p:cSld>
+    <p:bg>
+      <p:bgPr>
+        <a:solidFill>
+          <a:schemeClr val="bg1"/>
+        </a:solidFill>
+        <a:effectLst/>
+      </p:bgPr>
+    </p:bg>
     <p:spTree>
       <p:nvGrpSpPr>
         <p:cNvPr id="1" name=""/>
@@ -5871,6 +6965,66 @@
           <a:chExt cx="0" cy="0"/>
         </a:xfrm>
       </p:grpSpPr>
+      <p:sp useBgFill="1">
+        <p:nvSpPr>
+          <p:cNvPr id="10" name="Rectangle 9">
+            <a:extLst>
+              <a:ext uri="{FF2B5EF4-FFF2-40B4-BE49-F238E27FC236}">
+                <a16:creationId xmlns:a16="http://schemas.microsoft.com/office/drawing/2014/main" id="{8380AD67-C5CA-4918-B4BB-C359BB03EEDD}"/>
+              </a:ext>
+              <a:ext uri="{C183D7F6-B498-43B3-948B-1728B52AA6E4}">
+                <adec:decorative xmlns:adec="http://schemas.microsoft.com/office/drawing/2017/decorative" val="1"/>
+              </a:ext>
+            </a:extLst>
+          </p:cNvPr>
+          <p:cNvSpPr>
+            <a:spLocks noGrp="1" noRot="1" noChangeAspect="1" noMove="1" noResize="1" noEditPoints="1" noAdjustHandles="1" noChangeArrowheads="1" noChangeShapeType="1" noTextEdit="1"/>
+          </p:cNvSpPr>
+          <p:nvPr>
+            <p:extLst>
+              <p:ext uri="{386F3935-93C4-4BCD-93E2-E3B085C9AB24}">
+                <p16:designElem xmlns:p16="http://schemas.microsoft.com/office/powerpoint/2015/main" val="1"/>
+              </p:ext>
+            </p:extLst>
+          </p:nvPr>
+        </p:nvSpPr>
+        <p:spPr>
+          <a:xfrm>
+            <a:off x="0" y="0"/>
+            <a:ext cx="12192000" cy="6858000"/>
+          </a:xfrm>
+          <a:prstGeom prst="rect">
+            <a:avLst/>
+          </a:prstGeom>
+          <a:ln>
+            <a:noFill/>
+          </a:ln>
+        </p:spPr>
+        <p:style>
+          <a:lnRef idx="2">
+            <a:schemeClr val="accent1">
+              <a:shade val="50000"/>
+            </a:schemeClr>
+          </a:lnRef>
+          <a:fillRef idx="1">
+            <a:schemeClr val="accent1"/>
+          </a:fillRef>
+          <a:effectRef idx="0">
+            <a:schemeClr val="accent1"/>
+          </a:effectRef>
+          <a:fontRef idx="minor">
+            <a:schemeClr val="lt1"/>
+          </a:fontRef>
+        </p:style>
+        <p:txBody>
+          <a:bodyPr rtlCol="0" anchor="ctr"/>
+          <a:lstStyle/>
+          <a:p>
+            <a:pPr algn="ctr"/>
+            <a:endParaRPr lang="en-US"/>
+          </a:p>
+        </p:txBody>
+      </p:sp>
       <p:sp>
         <p:nvSpPr>
           <p:cNvPr id="2" name="Title 1">
@@ -5887,18 +7041,242 @@
             <p:ph type="title"/>
           </p:nvPr>
         </p:nvSpPr>
-        <p:spPr/>
-        <p:txBody>
-          <a:bodyPr/>
-          <a:lstStyle/>
-          <a:p>
-            <a:r>
-              <a:rPr lang="en-US" dirty="0"/>
+        <p:spPr>
+          <a:xfrm>
+            <a:off x="5080216" y="1076324"/>
+            <a:ext cx="6272784" cy="1535051"/>
+          </a:xfrm>
+        </p:spPr>
+        <p:txBody>
+          <a:bodyPr anchor="b">
+            <a:normAutofit/>
+          </a:bodyPr>
+          <a:lstStyle/>
+          <a:p>
+            <a:r>
+              <a:rPr lang="en-US" sz="5200" dirty="0"/>
               <a:t>Conclusion</a:t>
             </a:r>
           </a:p>
         </p:txBody>
       </p:sp>
+      <p:pic>
+        <p:nvPicPr>
+          <p:cNvPr id="5" name="Picture 4" descr="A picture containing text, seat, furniture, orange&#10;&#10;Description automatically generated">
+            <a:extLst>
+              <a:ext uri="{FF2B5EF4-FFF2-40B4-BE49-F238E27FC236}">
+                <a16:creationId xmlns:a16="http://schemas.microsoft.com/office/drawing/2014/main" id="{F8CBF4EC-3C77-B84B-8F8F-A00D1CC63F61}"/>
+              </a:ext>
+            </a:extLst>
+          </p:cNvPr>
+          <p:cNvPicPr>
+            <a:picLocks noChangeAspect="1"/>
+          </p:cNvPicPr>
+          <p:nvPr/>
+        </p:nvPicPr>
+        <p:blipFill rotWithShape="1">
+          <a:blip r:embed="rId2"/>
+          <a:srcRect l="1582"/>
+          <a:stretch/>
+        </p:blipFill>
+        <p:spPr>
+          <a:xfrm>
+            <a:off x="20" y="10"/>
+            <a:ext cx="4505305" cy="6857990"/>
+          </a:xfrm>
+          <a:prstGeom prst="rect">
+            <a:avLst/>
+          </a:prstGeom>
+        </p:spPr>
+      </p:pic>
+      <p:sp>
+        <p:nvSpPr>
+          <p:cNvPr id="12" name="!!accent">
+            <a:extLst>
+              <a:ext uri="{FF2B5EF4-FFF2-40B4-BE49-F238E27FC236}">
+                <a16:creationId xmlns:a16="http://schemas.microsoft.com/office/drawing/2014/main" id="{EABAD4DA-87BA-4F70-9EF0-45C6BCF17823}"/>
+              </a:ext>
+              <a:ext uri="{C183D7F6-B498-43B3-948B-1728B52AA6E4}">
+                <adec:decorative xmlns:adec="http://schemas.microsoft.com/office/drawing/2017/decorative" val="1"/>
+              </a:ext>
+            </a:extLst>
+          </p:cNvPr>
+          <p:cNvSpPr>
+            <a:spLocks noGrp="1" noRot="1" noChangeAspect="1" noMove="1" noResize="1" noEditPoints="1" noAdjustHandles="1" noChangeArrowheads="1" noChangeShapeType="1" noTextEdit="1"/>
+          </p:cNvSpPr>
+          <p:nvPr>
+            <p:extLst>
+              <p:ext uri="{386F3935-93C4-4BCD-93E2-E3B085C9AB24}">
+                <p16:designElem xmlns:p16="http://schemas.microsoft.com/office/powerpoint/2015/main" val="1"/>
+              </p:ext>
+            </p:extLst>
+          </p:nvPr>
+        </p:nvSpPr>
+        <p:spPr>
+          <a:xfrm rot="5400000">
+            <a:off x="5317960" y="363389"/>
+            <a:ext cx="73152" cy="548640"/>
+          </a:xfrm>
+          <a:prstGeom prst="rect">
+            <a:avLst/>
+          </a:prstGeom>
+          <a:solidFill>
+            <a:schemeClr val="accent1"/>
+          </a:solidFill>
+          <a:ln>
+            <a:noFill/>
+          </a:ln>
+        </p:spPr>
+        <p:style>
+          <a:lnRef idx="2">
+            <a:schemeClr val="accent1">
+              <a:shade val="50000"/>
+            </a:schemeClr>
+          </a:lnRef>
+          <a:fillRef idx="1">
+            <a:schemeClr val="accent1"/>
+          </a:fillRef>
+          <a:effectRef idx="0">
+            <a:schemeClr val="accent1"/>
+          </a:effectRef>
+          <a:fontRef idx="minor">
+            <a:schemeClr val="lt1"/>
+          </a:fontRef>
+        </p:style>
+        <p:txBody>
+          <a:bodyPr rtlCol="0" anchor="ctr"/>
+          <a:lstStyle/>
+          <a:p>
+            <a:pPr marL="0" marR="0" lvl="0" indent="0" algn="ctr" defTabSz="914400" rtl="0" eaLnBrk="1" fontAlgn="auto" latinLnBrk="0" hangingPunct="1">
+              <a:lnSpc>
+                <a:spcPct val="100000"/>
+              </a:lnSpc>
+              <a:spcBef>
+                <a:spcPts val="0"/>
+              </a:spcBef>
+              <a:spcAft>
+                <a:spcPts val="0"/>
+              </a:spcAft>
+              <a:buClrTx/>
+              <a:buSzTx/>
+              <a:buFontTx/>
+              <a:buNone/>
+              <a:tabLst/>
+              <a:defRPr/>
+            </a:pPr>
+            <a:endParaRPr kumimoji="0" lang="en-US" sz="1800" b="0" i="0" u="none" strike="noStrike" kern="1200" cap="none" spc="0" normalizeH="0" baseline="0" noProof="0">
+              <a:ln>
+                <a:noFill/>
+              </a:ln>
+              <a:solidFill>
+                <a:prstClr val="white"/>
+              </a:solidFill>
+              <a:effectLst/>
+              <a:uLnTx/>
+              <a:uFillTx/>
+              <a:latin typeface="Calibri" panose="020F0502020204030204"/>
+              <a:ea typeface="+mn-ea"/>
+              <a:cs typeface="+mn-cs"/>
+            </a:endParaRPr>
+          </a:p>
+        </p:txBody>
+      </p:sp>
+      <p:sp>
+        <p:nvSpPr>
+          <p:cNvPr id="14" name="Rectangle 13">
+            <a:extLst>
+              <a:ext uri="{FF2B5EF4-FFF2-40B4-BE49-F238E27FC236}">
+                <a16:creationId xmlns:a16="http://schemas.microsoft.com/office/drawing/2014/main" id="{915128D9-2797-47FA-B6FE-EC24E6B8437A}"/>
+              </a:ext>
+              <a:ext uri="{C183D7F6-B498-43B3-948B-1728B52AA6E4}">
+                <adec:decorative xmlns:adec="http://schemas.microsoft.com/office/drawing/2017/decorative" val="1"/>
+              </a:ext>
+            </a:extLst>
+          </p:cNvPr>
+          <p:cNvSpPr>
+            <a:spLocks noGrp="1" noRot="1" noChangeAspect="1" noMove="1" noResize="1" noEditPoints="1" noAdjustHandles="1" noChangeArrowheads="1" noChangeShapeType="1" noTextEdit="1"/>
+          </p:cNvSpPr>
+          <p:nvPr>
+            <p:extLst>
+              <p:ext uri="{386F3935-93C4-4BCD-93E2-E3B085C9AB24}">
+                <p16:designElem xmlns:p16="http://schemas.microsoft.com/office/powerpoint/2015/main" val="1"/>
+              </p:ext>
+            </p:extLst>
+          </p:nvPr>
+        </p:nvSpPr>
+        <p:spPr>
+          <a:xfrm>
+            <a:off x="5099266" y="2935541"/>
+            <a:ext cx="6217920" cy="18288"/>
+          </a:xfrm>
+          <a:prstGeom prst="rect">
+            <a:avLst/>
+          </a:prstGeom>
+          <a:solidFill>
+            <a:schemeClr val="tx2">
+              <a:lumMod val="25000"/>
+              <a:lumOff val="75000"/>
+            </a:schemeClr>
+          </a:solidFill>
+          <a:ln w="3175">
+            <a:noFill/>
+          </a:ln>
+          <a:effectLst/>
+        </p:spPr>
+        <p:style>
+          <a:lnRef idx="2">
+            <a:schemeClr val="accent1">
+              <a:shade val="50000"/>
+            </a:schemeClr>
+          </a:lnRef>
+          <a:fillRef idx="1">
+            <a:schemeClr val="accent1"/>
+          </a:fillRef>
+          <a:effectRef idx="0">
+            <a:schemeClr val="accent1"/>
+          </a:effectRef>
+          <a:fontRef idx="minor">
+            <a:schemeClr val="lt1"/>
+          </a:fontRef>
+        </p:style>
+        <p:txBody>
+          <a:bodyPr rtlCol="0" anchor="ctr"/>
+          <a:lstStyle/>
+          <a:p>
+            <a:pPr marL="0" marR="0" lvl="0" indent="0" algn="ctr" defTabSz="914400" rtl="0" eaLnBrk="1" fontAlgn="auto" latinLnBrk="0" hangingPunct="1">
+              <a:lnSpc>
+                <a:spcPct val="100000"/>
+              </a:lnSpc>
+              <a:spcBef>
+                <a:spcPts val="0"/>
+              </a:spcBef>
+              <a:spcAft>
+                <a:spcPts val="0"/>
+              </a:spcAft>
+              <a:buClrTx/>
+              <a:buSzTx/>
+              <a:buFontTx/>
+              <a:buNone/>
+              <a:tabLst/>
+              <a:defRPr/>
+            </a:pPr>
+            <a:endParaRPr kumimoji="0" lang="en-US" sz="1800" b="0" i="0" u="none" strike="noStrike" kern="1200" cap="none" spc="0" normalizeH="0" baseline="0" noProof="0">
+              <a:ln>
+                <a:noFill/>
+              </a:ln>
+              <a:solidFill>
+                <a:prstClr val="white"/>
+              </a:solidFill>
+              <a:effectLst/>
+              <a:uLnTx/>
+              <a:uFillTx/>
+              <a:latin typeface="Calibri" panose="020F0502020204030204"/>
+              <a:ea typeface="+mn-ea"/>
+              <a:cs typeface="+mn-cs"/>
+            </a:endParaRPr>
+          </a:p>
+        </p:txBody>
+      </p:sp>
       <p:sp>
         <p:nvSpPr>
           <p:cNvPr id="3" name="Content Placeholder 2">
@@ -5915,33 +7293,43 @@
             <p:ph idx="1"/>
           </p:nvPr>
         </p:nvSpPr>
-        <p:spPr/>
-        <p:txBody>
-          <a:bodyPr/>
-          <a:lstStyle/>
-          <a:p>
-            <a:r>
-              <a:rPr lang="en-US" dirty="0"/>
+        <p:spPr>
+          <a:xfrm>
+            <a:off x="5080216" y="3351276"/>
+            <a:ext cx="6272784" cy="2825686"/>
+          </a:xfrm>
+        </p:spPr>
+        <p:txBody>
+          <a:bodyPr>
+            <a:normAutofit/>
+          </a:bodyPr>
+          <a:lstStyle/>
+          <a:p>
+            <a:pPr algn="just"/>
+            <a:r>
+              <a:rPr lang="en-US" sz="1800" dirty="0"/>
               <a:t>Outside factors play a huge part in our prediction from availability of vaccines, natural elements, government involvement, acceptance and preference of individuals, </a:t>
             </a:r>
             <a:r>
-              <a:rPr lang="en-US" dirty="0" err="1"/>
+              <a:rPr lang="en-US" sz="1800" dirty="0" err="1"/>
               <a:t>etc</a:t>
             </a:r>
             <a:r>
-              <a:rPr lang="en-US" dirty="0"/>
+              <a:rPr lang="en-US" sz="1800" dirty="0"/>
               <a:t> making it hard to forecast accurately.</a:t>
             </a:r>
           </a:p>
           <a:p>
-            <a:r>
-              <a:rPr lang="en-US" dirty="0"/>
+            <a:pPr algn="just"/>
+            <a:r>
+              <a:rPr lang="en-US" sz="1800" dirty="0"/>
               <a:t>Factors vary country to country and also time periods. Some countries started later in vaccinating individuals.</a:t>
             </a:r>
           </a:p>
           <a:p>
-            <a:r>
-              <a:rPr lang="en-US" dirty="0"/>
+            <a:pPr algn="just"/>
+            <a:r>
+              <a:rPr lang="en-US" sz="1800" dirty="0"/>
               <a:t>The Margin of Error increases as you look further into the future.</a:t>
             </a:r>
           </a:p>

--- a/Final_Project.pptx
+++ b/Final_Project.pptx
@@ -6567,10 +6567,10 @@
       </p:grpSpPr>
       <p:sp useBgFill="1">
         <p:nvSpPr>
-          <p:cNvPr id="20" name="Rectangle 11">
-            <a:extLst>
-              <a:ext uri="{FF2B5EF4-FFF2-40B4-BE49-F238E27FC236}">
-                <a16:creationId xmlns:a16="http://schemas.microsoft.com/office/drawing/2014/main" id="{8380AD67-C5CA-4918-B4BB-C359BB03EEDD}"/>
+          <p:cNvPr id="27" name="Rectangle 26">
+            <a:extLst>
+              <a:ext uri="{FF2B5EF4-FFF2-40B4-BE49-F238E27FC236}">
+                <a16:creationId xmlns:a16="http://schemas.microsoft.com/office/drawing/2014/main" id="{21A75659-5A6F-4F77-9679-678A00B9D8DC}"/>
               </a:ext>
               <a:ext uri="{C183D7F6-B498-43B3-948B-1728B52AA6E4}">
                 <adec:decorative xmlns:adec="http://schemas.microsoft.com/office/drawing/2017/decorative" val="1"/>
@@ -6625,44 +6625,9 @@
           </a:p>
         </p:txBody>
       </p:sp>
-      <p:sp>
-        <p:nvSpPr>
-          <p:cNvPr id="2" name="Title 1">
-            <a:extLst>
-              <a:ext uri="{FF2B5EF4-FFF2-40B4-BE49-F238E27FC236}">
-                <a16:creationId xmlns:a16="http://schemas.microsoft.com/office/drawing/2014/main" id="{9B96408E-88A9-9842-B2C3-1DF61156445A}"/>
-              </a:ext>
-            </a:extLst>
-          </p:cNvPr>
-          <p:cNvSpPr>
-            <a:spLocks noGrp="1"/>
-          </p:cNvSpPr>
-          <p:nvPr>
-            <p:ph type="title"/>
-          </p:nvPr>
-        </p:nvSpPr>
-        <p:spPr>
-          <a:xfrm>
-            <a:off x="5080216" y="1076324"/>
-            <a:ext cx="6272784" cy="1535051"/>
-          </a:xfrm>
-        </p:spPr>
-        <p:txBody>
-          <a:bodyPr anchor="b">
-            <a:normAutofit/>
-          </a:bodyPr>
-          <a:lstStyle/>
-          <a:p>
-            <a:r>
-              <a:rPr lang="en-US" sz="5200"/>
-              <a:t>Analysis</a:t>
-            </a:r>
-          </a:p>
-        </p:txBody>
-      </p:sp>
       <p:pic>
         <p:nvPicPr>
-          <p:cNvPr id="7" name="Picture 6" descr="A picture containing text, seat, furniture, orange&#10;&#10;Description automatically generated">
+          <p:cNvPr id="7" name="Picture 6">
             <a:extLst>
               <a:ext uri="{FF2B5EF4-FFF2-40B4-BE49-F238E27FC236}">
                 <a16:creationId xmlns:a16="http://schemas.microsoft.com/office/drawing/2014/main" id="{1A8E2F59-AED6-D741-ACF5-6CC20845E17C}"/>
@@ -6676,13 +6641,13 @@
         </p:nvPicPr>
         <p:blipFill rotWithShape="1">
           <a:blip r:embed="rId2"/>
-          <a:srcRect l="1582"/>
+          <a:srcRect t="33148" r="1" b="22351"/>
           <a:stretch/>
         </p:blipFill>
         <p:spPr>
           <a:xfrm>
             <a:off x="20" y="10"/>
-            <a:ext cx="4505305" cy="6857990"/>
+            <a:ext cx="8668492" cy="6857990"/>
           </a:xfrm>
           <a:prstGeom prst="rect">
             <a:avLst/>
@@ -6691,10 +6656,10 @@
       </p:pic>
       <p:sp>
         <p:nvSpPr>
-          <p:cNvPr id="21" name="!!accent">
-            <a:extLst>
-              <a:ext uri="{FF2B5EF4-FFF2-40B4-BE49-F238E27FC236}">
-                <a16:creationId xmlns:a16="http://schemas.microsoft.com/office/drawing/2014/main" id="{EABAD4DA-87BA-4F70-9EF0-45C6BCF17823}"/>
+          <p:cNvPr id="29" name="Rectangle 28">
+            <a:extLst>
+              <a:ext uri="{FF2B5EF4-FFF2-40B4-BE49-F238E27FC236}">
+                <a16:creationId xmlns:a16="http://schemas.microsoft.com/office/drawing/2014/main" id="{EFAEC92A-2230-45B0-A12F-07F9F9EA45AD}"/>
               </a:ext>
               <a:ext uri="{C183D7F6-B498-43B3-948B-1728B52AA6E4}">
                 <adec:decorative xmlns:adec="http://schemas.microsoft.com/office/drawing/2017/decorative" val="1"/>
@@ -6713,8 +6678,130 @@
           </p:nvPr>
         </p:nvSpPr>
         <p:spPr>
+          <a:xfrm flipH="1">
+            <a:off x="2435399" y="0"/>
+            <a:ext cx="9756601" cy="6858000"/>
+          </a:xfrm>
+          <a:prstGeom prst="rect">
+            <a:avLst/>
+          </a:prstGeom>
+          <a:gradFill>
+            <a:gsLst>
+              <a:gs pos="53000">
+                <a:schemeClr val="bg1"/>
+              </a:gs>
+              <a:gs pos="35000">
+                <a:schemeClr val="bg1">
+                  <a:alpha val="76000"/>
+                </a:schemeClr>
+              </a:gs>
+              <a:gs pos="19000">
+                <a:schemeClr val="bg1">
+                  <a:alpha val="40000"/>
+                </a:schemeClr>
+              </a:gs>
+              <a:gs pos="0">
+                <a:schemeClr val="bg1">
+                  <a:alpha val="0"/>
+                </a:schemeClr>
+              </a:gs>
+              <a:gs pos="100000">
+                <a:schemeClr val="bg1"/>
+              </a:gs>
+            </a:gsLst>
+            <a:lin ang="10800000" scaled="0"/>
+          </a:gradFill>
+          <a:ln>
+            <a:noFill/>
+          </a:ln>
+        </p:spPr>
+        <p:style>
+          <a:lnRef idx="2">
+            <a:schemeClr val="accent1">
+              <a:shade val="50000"/>
+            </a:schemeClr>
+          </a:lnRef>
+          <a:fillRef idx="1">
+            <a:schemeClr val="accent1"/>
+          </a:fillRef>
+          <a:effectRef idx="0">
+            <a:schemeClr val="accent1"/>
+          </a:effectRef>
+          <a:fontRef idx="minor">
+            <a:schemeClr val="lt1"/>
+          </a:fontRef>
+        </p:style>
+        <p:txBody>
+          <a:bodyPr rtlCol="0" anchor="ctr"/>
+          <a:lstStyle/>
+          <a:p>
+            <a:pPr algn="ctr"/>
+            <a:endParaRPr lang="en-US" dirty="0"/>
+          </a:p>
+        </p:txBody>
+      </p:sp>
+      <p:sp>
+        <p:nvSpPr>
+          <p:cNvPr id="2" name="Title 1">
+            <a:extLst>
+              <a:ext uri="{FF2B5EF4-FFF2-40B4-BE49-F238E27FC236}">
+                <a16:creationId xmlns:a16="http://schemas.microsoft.com/office/drawing/2014/main" id="{9B96408E-88A9-9842-B2C3-1DF61156445A}"/>
+              </a:ext>
+            </a:extLst>
+          </p:cNvPr>
+          <p:cNvSpPr>
+            <a:spLocks noGrp="1"/>
+          </p:cNvSpPr>
+          <p:nvPr>
+            <p:ph type="title"/>
+          </p:nvPr>
+        </p:nvSpPr>
+        <p:spPr>
+          <a:xfrm>
+            <a:off x="8395868" y="1161288"/>
+            <a:ext cx="3438144" cy="1124712"/>
+          </a:xfrm>
+        </p:spPr>
+        <p:txBody>
+          <a:bodyPr anchor="b">
+            <a:normAutofit/>
+          </a:bodyPr>
+          <a:lstStyle/>
+          <a:p>
+            <a:pPr algn="ctr"/>
+            <a:r>
+              <a:rPr lang="en-US" sz="2800" dirty="0"/>
+              <a:t>Analysis</a:t>
+            </a:r>
+          </a:p>
+        </p:txBody>
+      </p:sp>
+      <p:sp>
+        <p:nvSpPr>
+          <p:cNvPr id="31" name="Rectangle 30">
+            <a:extLst>
+              <a:ext uri="{FF2B5EF4-FFF2-40B4-BE49-F238E27FC236}">
+                <a16:creationId xmlns:a16="http://schemas.microsoft.com/office/drawing/2014/main" id="{55D4142C-5077-457F-A6AD-3FECFDB39685}"/>
+              </a:ext>
+              <a:ext uri="{C183D7F6-B498-43B3-948B-1728B52AA6E4}">
+                <adec:decorative xmlns:adec="http://schemas.microsoft.com/office/drawing/2017/decorative" val="1"/>
+              </a:ext>
+            </a:extLst>
+          </p:cNvPr>
+          <p:cNvSpPr>
+            <a:spLocks noGrp="1" noRot="1" noChangeAspect="1" noMove="1" noResize="1" noEditPoints="1" noAdjustHandles="1" noChangeArrowheads="1" noChangeShapeType="1" noTextEdit="1"/>
+          </p:cNvSpPr>
+          <p:nvPr>
+            <p:extLst>
+              <p:ext uri="{386F3935-93C4-4BCD-93E2-E3B085C9AB24}">
+                <p16:designElem xmlns:p16="http://schemas.microsoft.com/office/powerpoint/2015/main" val="1"/>
+              </p:ext>
+            </p:extLst>
+          </p:nvPr>
+        </p:nvSpPr>
+        <p:spPr>
           <a:xfrm rot="5400000">
-            <a:off x="5317960" y="363389"/>
+            <a:off x="8687333" y="605790"/>
             <a:ext cx="73152" cy="548640"/>
           </a:xfrm>
           <a:prstGeom prst="rect">
@@ -6783,10 +6870,10 @@
       </p:sp>
       <p:sp>
         <p:nvSpPr>
-          <p:cNvPr id="22" name="Rectangle 15">
-            <a:extLst>
-              <a:ext uri="{FF2B5EF4-FFF2-40B4-BE49-F238E27FC236}">
-                <a16:creationId xmlns:a16="http://schemas.microsoft.com/office/drawing/2014/main" id="{915128D9-2797-47FA-B6FE-EC24E6B8437A}"/>
+          <p:cNvPr id="33" name="Rectangle 32">
+            <a:extLst>
+              <a:ext uri="{FF2B5EF4-FFF2-40B4-BE49-F238E27FC236}">
+                <a16:creationId xmlns:a16="http://schemas.microsoft.com/office/drawing/2014/main" id="{7A5F0580-5EE9-419F-96EE-B6529EF6E7D0}"/>
               </a:ext>
               <a:ext uri="{C183D7F6-B498-43B3-948B-1728B52AA6E4}">
                 <adec:decorative xmlns:adec="http://schemas.microsoft.com/office/drawing/2017/decorative" val="1"/>
@@ -6806,17 +6893,14 @@
         </p:nvSpPr>
         <p:spPr>
           <a:xfrm>
-            <a:off x="5099266" y="2935541"/>
-            <a:ext cx="6217920" cy="18288"/>
+            <a:off x="8453018" y="2443480"/>
+            <a:ext cx="3218688" cy="18288"/>
           </a:xfrm>
           <a:prstGeom prst="rect">
             <a:avLst/>
           </a:prstGeom>
           <a:solidFill>
-            <a:schemeClr val="tx2">
-              <a:lumMod val="25000"/>
-              <a:lumOff val="75000"/>
-            </a:schemeClr>
+            <a:schemeClr val="tx1"/>
           </a:solidFill>
           <a:ln w="3175">
             <a:noFill/>
@@ -6895,33 +6979,45 @@
         </p:nvSpPr>
         <p:spPr>
           <a:xfrm>
-            <a:off x="5080216" y="3351276"/>
-            <a:ext cx="6272784" cy="2825686"/>
-          </a:xfrm>
-        </p:spPr>
-        <p:txBody>
-          <a:bodyPr>
-            <a:normAutofit/>
+            <a:off x="7744858" y="2645441"/>
+            <a:ext cx="4266186" cy="3207258"/>
+          </a:xfrm>
+        </p:spPr>
+        <p:txBody>
+          <a:bodyPr anchor="t">
+            <a:noAutofit/>
           </a:bodyPr>
           <a:lstStyle/>
           <a:p>
-            <a:pPr algn="just"/>
-            <a:r>
-              <a:rPr lang="en-US" sz="1800" dirty="0"/>
+            <a:pPr algn="just">
+              <a:lnSpc>
+                <a:spcPct val="100000"/>
+              </a:lnSpc>
+            </a:pPr>
+            <a:r>
+              <a:rPr lang="en-US" sz="2000" dirty="0"/>
               <a:t>We choose Linear Regression because we wanted to model a target value based on predictors and historical data.</a:t>
             </a:r>
           </a:p>
           <a:p>
-            <a:pPr algn="just"/>
-            <a:r>
-              <a:rPr lang="en-US" sz="1800" dirty="0"/>
+            <a:pPr algn="just">
+              <a:lnSpc>
+                <a:spcPct val="100000"/>
+              </a:lnSpc>
+            </a:pPr>
+            <a:r>
+              <a:rPr lang="en-US" sz="2000" dirty="0"/>
               <a:t>Throughout our analysis, we examined several target values.</a:t>
             </a:r>
           </a:p>
           <a:p>
-            <a:pPr algn="just"/>
-            <a:r>
-              <a:rPr lang="en-US" sz="1800" dirty="0"/>
+            <a:pPr algn="just">
+              <a:lnSpc>
+                <a:spcPct val="100000"/>
+              </a:lnSpc>
+            </a:pPr>
+            <a:r>
+              <a:rPr lang="en-US" sz="2000" dirty="0"/>
               <a:t>We used Univariant model, Multi-variant model, and Facebook Prophet Time Series Model.</a:t>
             </a:r>
           </a:p>
@@ -6935,7 +7031,7 @@
     </p:extLst>
   </p:cSld>
   <p:clrMapOvr>
-    <a:masterClrMapping/>
+    <a:overrideClrMapping bg1="dk1" tx1="lt1" bg2="dk2" tx2="lt2" accent1="accent1" accent2="accent2" accent3="accent3" accent4="accent4" accent5="accent5" accent6="accent6" hlink="hlink" folHlink="folHlink"/>
   </p:clrMapOvr>
 </p:sld>
 </file>
@@ -6967,10 +7063,10 @@
       </p:grpSpPr>
       <p:sp useBgFill="1">
         <p:nvSpPr>
-          <p:cNvPr id="10" name="Rectangle 9">
-            <a:extLst>
-              <a:ext uri="{FF2B5EF4-FFF2-40B4-BE49-F238E27FC236}">
-                <a16:creationId xmlns:a16="http://schemas.microsoft.com/office/drawing/2014/main" id="{8380AD67-C5CA-4918-B4BB-C359BB03EEDD}"/>
+          <p:cNvPr id="19" name="Rectangle 18">
+            <a:extLst>
+              <a:ext uri="{FF2B5EF4-FFF2-40B4-BE49-F238E27FC236}">
+                <a16:creationId xmlns:a16="http://schemas.microsoft.com/office/drawing/2014/main" id="{21A75659-5A6F-4F77-9679-678A00B9D8DC}"/>
               </a:ext>
               <a:ext uri="{C183D7F6-B498-43B3-948B-1728B52AA6E4}">
                 <adec:decorative xmlns:adec="http://schemas.microsoft.com/office/drawing/2017/decorative" val="1"/>
@@ -7025,44 +7121,9 @@
           </a:p>
         </p:txBody>
       </p:sp>
-      <p:sp>
-        <p:nvSpPr>
-          <p:cNvPr id="2" name="Title 1">
-            <a:extLst>
-              <a:ext uri="{FF2B5EF4-FFF2-40B4-BE49-F238E27FC236}">
-                <a16:creationId xmlns:a16="http://schemas.microsoft.com/office/drawing/2014/main" id="{6CAAEACB-D146-CE47-9A2E-422B9EB95452}"/>
-              </a:ext>
-            </a:extLst>
-          </p:cNvPr>
-          <p:cNvSpPr>
-            <a:spLocks noGrp="1"/>
-          </p:cNvSpPr>
-          <p:nvPr>
-            <p:ph type="title"/>
-          </p:nvPr>
-        </p:nvSpPr>
-        <p:spPr>
-          <a:xfrm>
-            <a:off x="5080216" y="1076324"/>
-            <a:ext cx="6272784" cy="1535051"/>
-          </a:xfrm>
-        </p:spPr>
-        <p:txBody>
-          <a:bodyPr anchor="b">
-            <a:normAutofit/>
-          </a:bodyPr>
-          <a:lstStyle/>
-          <a:p>
-            <a:r>
-              <a:rPr lang="en-US" sz="5200" dirty="0"/>
-              <a:t>Conclusion</a:t>
-            </a:r>
-          </a:p>
-        </p:txBody>
-      </p:sp>
       <p:pic>
         <p:nvPicPr>
-          <p:cNvPr id="5" name="Picture 4" descr="A picture containing text, seat, furniture, orange&#10;&#10;Description automatically generated">
+          <p:cNvPr id="5" name="Picture 4">
             <a:extLst>
               <a:ext uri="{FF2B5EF4-FFF2-40B4-BE49-F238E27FC236}">
                 <a16:creationId xmlns:a16="http://schemas.microsoft.com/office/drawing/2014/main" id="{F8CBF4EC-3C77-B84B-8F8F-A00D1CC63F61}"/>
@@ -7076,13 +7137,13 @@
         </p:nvPicPr>
         <p:blipFill rotWithShape="1">
           <a:blip r:embed="rId2"/>
-          <a:srcRect l="1582"/>
+          <a:srcRect t="33148" r="1" b="22351"/>
           <a:stretch/>
         </p:blipFill>
         <p:spPr>
           <a:xfrm>
             <a:off x="20" y="10"/>
-            <a:ext cx="4505305" cy="6857990"/>
+            <a:ext cx="8668492" cy="6857990"/>
           </a:xfrm>
           <a:prstGeom prst="rect">
             <a:avLst/>
@@ -7091,10 +7152,10 @@
       </p:pic>
       <p:sp>
         <p:nvSpPr>
-          <p:cNvPr id="12" name="!!accent">
-            <a:extLst>
-              <a:ext uri="{FF2B5EF4-FFF2-40B4-BE49-F238E27FC236}">
-                <a16:creationId xmlns:a16="http://schemas.microsoft.com/office/drawing/2014/main" id="{EABAD4DA-87BA-4F70-9EF0-45C6BCF17823}"/>
+          <p:cNvPr id="21" name="Rectangle 20">
+            <a:extLst>
+              <a:ext uri="{FF2B5EF4-FFF2-40B4-BE49-F238E27FC236}">
+                <a16:creationId xmlns:a16="http://schemas.microsoft.com/office/drawing/2014/main" id="{EFAEC92A-2230-45B0-A12F-07F9F9EA45AD}"/>
               </a:ext>
               <a:ext uri="{C183D7F6-B498-43B3-948B-1728B52AA6E4}">
                 <adec:decorative xmlns:adec="http://schemas.microsoft.com/office/drawing/2017/decorative" val="1"/>
@@ -7113,8 +7174,130 @@
           </p:nvPr>
         </p:nvSpPr>
         <p:spPr>
+          <a:xfrm flipH="1">
+            <a:off x="2435399" y="0"/>
+            <a:ext cx="9756601" cy="6858000"/>
+          </a:xfrm>
+          <a:prstGeom prst="rect">
+            <a:avLst/>
+          </a:prstGeom>
+          <a:gradFill>
+            <a:gsLst>
+              <a:gs pos="53000">
+                <a:schemeClr val="bg1"/>
+              </a:gs>
+              <a:gs pos="35000">
+                <a:schemeClr val="bg1">
+                  <a:alpha val="76000"/>
+                </a:schemeClr>
+              </a:gs>
+              <a:gs pos="19000">
+                <a:schemeClr val="bg1">
+                  <a:alpha val="40000"/>
+                </a:schemeClr>
+              </a:gs>
+              <a:gs pos="0">
+                <a:schemeClr val="bg1">
+                  <a:alpha val="0"/>
+                </a:schemeClr>
+              </a:gs>
+              <a:gs pos="100000">
+                <a:schemeClr val="bg1"/>
+              </a:gs>
+            </a:gsLst>
+            <a:lin ang="10800000" scaled="0"/>
+          </a:gradFill>
+          <a:ln>
+            <a:noFill/>
+          </a:ln>
+        </p:spPr>
+        <p:style>
+          <a:lnRef idx="2">
+            <a:schemeClr val="accent1">
+              <a:shade val="50000"/>
+            </a:schemeClr>
+          </a:lnRef>
+          <a:fillRef idx="1">
+            <a:schemeClr val="accent1"/>
+          </a:fillRef>
+          <a:effectRef idx="0">
+            <a:schemeClr val="accent1"/>
+          </a:effectRef>
+          <a:fontRef idx="minor">
+            <a:schemeClr val="lt1"/>
+          </a:fontRef>
+        </p:style>
+        <p:txBody>
+          <a:bodyPr rtlCol="0" anchor="ctr"/>
+          <a:lstStyle/>
+          <a:p>
+            <a:pPr algn="ctr"/>
+            <a:endParaRPr lang="en-US" dirty="0"/>
+          </a:p>
+        </p:txBody>
+      </p:sp>
+      <p:sp>
+        <p:nvSpPr>
+          <p:cNvPr id="2" name="Title 1">
+            <a:extLst>
+              <a:ext uri="{FF2B5EF4-FFF2-40B4-BE49-F238E27FC236}">
+                <a16:creationId xmlns:a16="http://schemas.microsoft.com/office/drawing/2014/main" id="{6CAAEACB-D146-CE47-9A2E-422B9EB95452}"/>
+              </a:ext>
+            </a:extLst>
+          </p:cNvPr>
+          <p:cNvSpPr>
+            <a:spLocks noGrp="1"/>
+          </p:cNvSpPr>
+          <p:nvPr>
+            <p:ph type="title"/>
+          </p:nvPr>
+        </p:nvSpPr>
+        <p:spPr>
+          <a:xfrm>
+            <a:off x="8395868" y="1161288"/>
+            <a:ext cx="3438144" cy="1124712"/>
+          </a:xfrm>
+        </p:spPr>
+        <p:txBody>
+          <a:bodyPr anchor="b">
+            <a:normAutofit/>
+          </a:bodyPr>
+          <a:lstStyle/>
+          <a:p>
+            <a:pPr algn="ctr"/>
+            <a:r>
+              <a:rPr lang="en-US" sz="2800" dirty="0"/>
+              <a:t>Conclusion</a:t>
+            </a:r>
+          </a:p>
+        </p:txBody>
+      </p:sp>
+      <p:sp>
+        <p:nvSpPr>
+          <p:cNvPr id="23" name="Rectangle 22">
+            <a:extLst>
+              <a:ext uri="{FF2B5EF4-FFF2-40B4-BE49-F238E27FC236}">
+                <a16:creationId xmlns:a16="http://schemas.microsoft.com/office/drawing/2014/main" id="{55D4142C-5077-457F-A6AD-3FECFDB39685}"/>
+              </a:ext>
+              <a:ext uri="{C183D7F6-B498-43B3-948B-1728B52AA6E4}">
+                <adec:decorative xmlns:adec="http://schemas.microsoft.com/office/drawing/2017/decorative" val="1"/>
+              </a:ext>
+            </a:extLst>
+          </p:cNvPr>
+          <p:cNvSpPr>
+            <a:spLocks noGrp="1" noRot="1" noChangeAspect="1" noMove="1" noResize="1" noEditPoints="1" noAdjustHandles="1" noChangeArrowheads="1" noChangeShapeType="1" noTextEdit="1"/>
+          </p:cNvSpPr>
+          <p:nvPr>
+            <p:extLst>
+              <p:ext uri="{386F3935-93C4-4BCD-93E2-E3B085C9AB24}">
+                <p16:designElem xmlns:p16="http://schemas.microsoft.com/office/powerpoint/2015/main" val="1"/>
+              </p:ext>
+            </p:extLst>
+          </p:nvPr>
+        </p:nvSpPr>
+        <p:spPr>
           <a:xfrm rot="5400000">
-            <a:off x="5317960" y="363389"/>
+            <a:off x="8687333" y="605790"/>
             <a:ext cx="73152" cy="548640"/>
           </a:xfrm>
           <a:prstGeom prst="rect">
@@ -7183,10 +7366,10 @@
       </p:sp>
       <p:sp>
         <p:nvSpPr>
-          <p:cNvPr id="14" name="Rectangle 13">
-            <a:extLst>
-              <a:ext uri="{FF2B5EF4-FFF2-40B4-BE49-F238E27FC236}">
-                <a16:creationId xmlns:a16="http://schemas.microsoft.com/office/drawing/2014/main" id="{915128D9-2797-47FA-B6FE-EC24E6B8437A}"/>
+          <p:cNvPr id="25" name="Rectangle 24">
+            <a:extLst>
+              <a:ext uri="{FF2B5EF4-FFF2-40B4-BE49-F238E27FC236}">
+                <a16:creationId xmlns:a16="http://schemas.microsoft.com/office/drawing/2014/main" id="{7A5F0580-5EE9-419F-96EE-B6529EF6E7D0}"/>
               </a:ext>
               <a:ext uri="{C183D7F6-B498-43B3-948B-1728B52AA6E4}">
                 <adec:decorative xmlns:adec="http://schemas.microsoft.com/office/drawing/2017/decorative" val="1"/>
@@ -7206,17 +7389,14 @@
         </p:nvSpPr>
         <p:spPr>
           <a:xfrm>
-            <a:off x="5099266" y="2935541"/>
-            <a:ext cx="6217920" cy="18288"/>
+            <a:off x="8453018" y="2443480"/>
+            <a:ext cx="3218688" cy="18288"/>
           </a:xfrm>
           <a:prstGeom prst="rect">
             <a:avLst/>
           </a:prstGeom>
           <a:solidFill>
-            <a:schemeClr val="tx2">
-              <a:lumMod val="25000"/>
-              <a:lumOff val="75000"/>
-            </a:schemeClr>
+            <a:schemeClr val="tx1"/>
           </a:solidFill>
           <a:ln w="3175">
             <a:noFill/>
@@ -7295,17 +7475,21 @@
         </p:nvSpPr>
         <p:spPr>
           <a:xfrm>
-            <a:off x="5080216" y="3351276"/>
-            <a:ext cx="6272784" cy="2825686"/>
-          </a:xfrm>
-        </p:spPr>
-        <p:txBody>
-          <a:bodyPr>
-            <a:normAutofit/>
+            <a:off x="7425204" y="2697969"/>
+            <a:ext cx="4662793" cy="3396528"/>
+          </a:xfrm>
+        </p:spPr>
+        <p:txBody>
+          <a:bodyPr anchor="t">
+            <a:noAutofit/>
           </a:bodyPr>
           <a:lstStyle/>
           <a:p>
-            <a:pPr algn="just"/>
+            <a:pPr algn="just">
+              <a:lnSpc>
+                <a:spcPct val="100000"/>
+              </a:lnSpc>
+            </a:pPr>
             <a:r>
               <a:rPr lang="en-US" sz="1800" dirty="0"/>
               <a:t>Outside factors play a huge part in our prediction from availability of vaccines, natural elements, government involvement, acceptance and preference of individuals, </a:t>
@@ -7320,14 +7504,22 @@
             </a:r>
           </a:p>
           <a:p>
-            <a:pPr algn="just"/>
+            <a:pPr algn="just">
+              <a:lnSpc>
+                <a:spcPct val="100000"/>
+              </a:lnSpc>
+            </a:pPr>
             <a:r>
               <a:rPr lang="en-US" sz="1800" dirty="0"/>
               <a:t>Factors vary country to country and also time periods. Some countries started later in vaccinating individuals.</a:t>
             </a:r>
           </a:p>
           <a:p>
-            <a:pPr algn="just"/>
+            <a:pPr algn="just">
+              <a:lnSpc>
+                <a:spcPct val="100000"/>
+              </a:lnSpc>
+            </a:pPr>
             <a:r>
               <a:rPr lang="en-US" sz="1800" dirty="0"/>
               <a:t>The Margin of Error increases as you look further into the future.</a:t>
@@ -7343,7 +7535,7 @@
     </p:extLst>
   </p:cSld>
   <p:clrMapOvr>
-    <a:masterClrMapping/>
+    <a:overrideClrMapping bg1="dk1" tx1="lt1" bg2="dk2" tx2="lt2" accent1="accent1" accent2="accent2" accent3="accent3" accent4="accent4" accent5="accent5" accent6="accent6" hlink="hlink" folHlink="folHlink"/>
   </p:clrMapOvr>
 </p:sld>
 </file>
